--- a/docs/微服务架构.pptx
+++ b/docs/微服务架构.pptx
@@ -6,12 +6,19 @@
   </p:sldMasterIdLst>
   <p:sldIdLst>
     <p:sldId id="256" r:id="rId2"/>
-    <p:sldId id="273" r:id="rId3"/>
-    <p:sldId id="274" r:id="rId4"/>
-    <p:sldId id="275" r:id="rId5"/>
-    <p:sldId id="276" r:id="rId6"/>
-    <p:sldId id="279" r:id="rId7"/>
-    <p:sldId id="278" r:id="rId8"/>
+    <p:sldId id="282" r:id="rId3"/>
+    <p:sldId id="273" r:id="rId4"/>
+    <p:sldId id="274" r:id="rId5"/>
+    <p:sldId id="284" r:id="rId6"/>
+    <p:sldId id="275" r:id="rId7"/>
+    <p:sldId id="280" r:id="rId8"/>
+    <p:sldId id="283" r:id="rId9"/>
+    <p:sldId id="286" r:id="rId10"/>
+    <p:sldId id="276" r:id="rId11"/>
+    <p:sldId id="279" r:id="rId12"/>
+    <p:sldId id="281" r:id="rId13"/>
+    <p:sldId id="285" r:id="rId14"/>
+    <p:sldId id="278" r:id="rId15"/>
   </p:sldIdLst>
   <p:sldSz cx="9144000" cy="6858000" type="screen4x3"/>
   <p:notesSz cx="6858000" cy="9144000"/>
@@ -294,7 +301,7 @@
           <a:p>
             <a:fld id="{530820CF-B880-4189-942D-D702A7CBA730}" type="datetimeFigureOut">
               <a:rPr lang="zh-CN" altLang="en-US" smtClean="0"/>
-              <a:t>2015/12/6</a:t>
+              <a:t>2015/12/7</a:t>
             </a:fld>
             <a:endParaRPr lang="zh-CN" altLang="en-US"/>
           </a:p>
@@ -459,7 +466,7 @@
           <a:p>
             <a:fld id="{530820CF-B880-4189-942D-D702A7CBA730}" type="datetimeFigureOut">
               <a:rPr lang="zh-CN" altLang="en-US" smtClean="0"/>
-              <a:t>2015/12/6</a:t>
+              <a:t>2015/12/7</a:t>
             </a:fld>
             <a:endParaRPr lang="zh-CN" altLang="en-US"/>
           </a:p>
@@ -634,7 +641,7 @@
           <a:p>
             <a:fld id="{530820CF-B880-4189-942D-D702A7CBA730}" type="datetimeFigureOut">
               <a:rPr lang="zh-CN" altLang="en-US" smtClean="0"/>
-              <a:t>2015/12/6</a:t>
+              <a:t>2015/12/7</a:t>
             </a:fld>
             <a:endParaRPr lang="zh-CN" altLang="en-US"/>
           </a:p>
@@ -799,7 +806,7 @@
           <a:p>
             <a:fld id="{530820CF-B880-4189-942D-D702A7CBA730}" type="datetimeFigureOut">
               <a:rPr lang="zh-CN" altLang="en-US" smtClean="0"/>
-              <a:t>2015/12/6</a:t>
+              <a:t>2015/12/7</a:t>
             </a:fld>
             <a:endParaRPr lang="zh-CN" altLang="en-US"/>
           </a:p>
@@ -1040,7 +1047,7 @@
           <a:p>
             <a:fld id="{530820CF-B880-4189-942D-D702A7CBA730}" type="datetimeFigureOut">
               <a:rPr lang="zh-CN" altLang="en-US" smtClean="0"/>
-              <a:t>2015/12/6</a:t>
+              <a:t>2015/12/7</a:t>
             </a:fld>
             <a:endParaRPr lang="zh-CN" altLang="en-US"/>
           </a:p>
@@ -1323,7 +1330,7 @@
           <a:p>
             <a:fld id="{530820CF-B880-4189-942D-D702A7CBA730}" type="datetimeFigureOut">
               <a:rPr lang="zh-CN" altLang="en-US" smtClean="0"/>
-              <a:t>2015/12/6</a:t>
+              <a:t>2015/12/7</a:t>
             </a:fld>
             <a:endParaRPr lang="zh-CN" altLang="en-US"/>
           </a:p>
@@ -1740,7 +1747,7 @@
           <a:p>
             <a:fld id="{530820CF-B880-4189-942D-D702A7CBA730}" type="datetimeFigureOut">
               <a:rPr lang="zh-CN" altLang="en-US" smtClean="0"/>
-              <a:t>2015/12/6</a:t>
+              <a:t>2015/12/7</a:t>
             </a:fld>
             <a:endParaRPr lang="zh-CN" altLang="en-US"/>
           </a:p>
@@ -1853,7 +1860,7 @@
           <a:p>
             <a:fld id="{530820CF-B880-4189-942D-D702A7CBA730}" type="datetimeFigureOut">
               <a:rPr lang="zh-CN" altLang="en-US" smtClean="0"/>
-              <a:t>2015/12/6</a:t>
+              <a:t>2015/12/7</a:t>
             </a:fld>
             <a:endParaRPr lang="zh-CN" altLang="en-US"/>
           </a:p>
@@ -1943,7 +1950,7 @@
           <a:p>
             <a:fld id="{530820CF-B880-4189-942D-D702A7CBA730}" type="datetimeFigureOut">
               <a:rPr lang="zh-CN" altLang="en-US" smtClean="0"/>
-              <a:t>2015/12/6</a:t>
+              <a:t>2015/12/7</a:t>
             </a:fld>
             <a:endParaRPr lang="zh-CN" altLang="en-US"/>
           </a:p>
@@ -2215,7 +2222,7 @@
           <a:p>
             <a:fld id="{530820CF-B880-4189-942D-D702A7CBA730}" type="datetimeFigureOut">
               <a:rPr lang="zh-CN" altLang="en-US" smtClean="0"/>
-              <a:t>2015/12/6</a:t>
+              <a:t>2015/12/7</a:t>
             </a:fld>
             <a:endParaRPr lang="zh-CN" altLang="en-US"/>
           </a:p>
@@ -2463,7 +2470,7 @@
           <a:p>
             <a:fld id="{530820CF-B880-4189-942D-D702A7CBA730}" type="datetimeFigureOut">
               <a:rPr lang="zh-CN" altLang="en-US" smtClean="0"/>
-              <a:t>2015/12/6</a:t>
+              <a:t>2015/12/7</a:t>
             </a:fld>
             <a:endParaRPr lang="zh-CN" altLang="en-US"/>
           </a:p>
@@ -2524,11 +2531,11 @@
   <p:cSld>
     <p:bg>
       <p:bgPr>
-        <a:blipFill dpi="0" rotWithShape="1">
-          <a:blip r:embed="rId13"/>
-          <a:srcRect/>
-          <a:tile tx="0" ty="0" sx="100000" sy="100000" flip="none" algn="tl"/>
-        </a:blipFill>
+        <a:solidFill>
+          <a:srgbClr val="FFC000">
+            <a:alpha val="0"/>
+          </a:srgbClr>
+        </a:solidFill>
         <a:effectLst/>
       </p:bgPr>
     </p:bg>
@@ -2676,7 +2683,7 @@
           <a:p>
             <a:fld id="{530820CF-B880-4189-942D-D702A7CBA730}" type="datetimeFigureOut">
               <a:rPr lang="zh-CN" altLang="en-US" smtClean="0"/>
-              <a:t>2015/12/6</a:t>
+              <a:t>2015/12/7</a:t>
             </a:fld>
             <a:endParaRPr lang="zh-CN" altLang="en-US"/>
           </a:p>
@@ -3115,6 +3122,1436 @@
 </p:sld>
 </file>
 
+<file path=ppt/slides/slide10.xml><?xml version="1.0" encoding="utf-8"?>
+<p:sld xmlns:a="http://schemas.openxmlformats.org/drawingml/2006/main" xmlns:r="http://schemas.openxmlformats.org/officeDocument/2006/relationships" xmlns:p="http://schemas.openxmlformats.org/presentationml/2006/main">
+  <p:cSld>
+    <p:spTree>
+      <p:nvGrpSpPr>
+        <p:cNvPr id="1" name=""/>
+        <p:cNvGrpSpPr/>
+        <p:nvPr/>
+      </p:nvGrpSpPr>
+      <p:grpSpPr>
+        <a:xfrm>
+          <a:off x="0" y="0"/>
+          <a:ext cx="0" cy="0"/>
+          <a:chOff x="0" y="0"/>
+          <a:chExt cx="0" cy="0"/>
+        </a:xfrm>
+      </p:grpSpPr>
+      <p:sp>
+        <p:nvSpPr>
+          <p:cNvPr id="4" name="TextBox 3"/>
+          <p:cNvSpPr txBox="1"/>
+          <p:nvPr/>
+        </p:nvSpPr>
+        <p:spPr>
+          <a:xfrm>
+            <a:off x="971600" y="908720"/>
+            <a:ext cx="6840760" cy="923330"/>
+          </a:xfrm>
+          <a:prstGeom prst="rect">
+            <a:avLst/>
+          </a:prstGeom>
+          <a:noFill/>
+        </p:spPr>
+        <p:txBody>
+          <a:bodyPr wrap="square" rtlCol="0">
+            <a:spAutoFit/>
+          </a:bodyPr>
+          <a:lstStyle/>
+          <a:p>
+            <a:r>
+              <a:rPr lang="zh-CN" altLang="en-US" b="1" dirty="0" smtClean="0"/>
+              <a:t>微服务架构有什么好处？</a:t>
+            </a:r>
+            <a:endParaRPr lang="en-US" altLang="zh-CN" b="1" dirty="0" smtClean="0"/>
+          </a:p>
+          <a:p>
+            <a:endParaRPr lang="en-US" altLang="zh-CN" dirty="0"/>
+          </a:p>
+          <a:p>
+            <a:endParaRPr lang="zh-CN" altLang="en-US" dirty="0"/>
+          </a:p>
+        </p:txBody>
+      </p:sp>
+      <p:sp>
+        <p:nvSpPr>
+          <p:cNvPr id="6" name="TextBox 5"/>
+          <p:cNvSpPr txBox="1"/>
+          <p:nvPr/>
+        </p:nvSpPr>
+        <p:spPr>
+          <a:xfrm>
+            <a:off x="971600" y="1556792"/>
+            <a:ext cx="7632848" cy="4524315"/>
+          </a:xfrm>
+          <a:prstGeom prst="rect">
+            <a:avLst/>
+          </a:prstGeom>
+          <a:noFill/>
+        </p:spPr>
+        <p:txBody>
+          <a:bodyPr wrap="square" rtlCol="0">
+            <a:spAutoFit/>
+          </a:bodyPr>
+          <a:lstStyle/>
+          <a:p>
+            <a:pPr marL="285750" indent="-285750">
+              <a:buFont typeface="Wingdings" panose="05000000000000000000" pitchFamily="2" charset="2"/>
+              <a:buChar char="Ø"/>
+            </a:pPr>
+            <a:r>
+              <a:rPr lang="zh-CN" altLang="en-US" sz="1600" dirty="0" smtClean="0"/>
+              <a:t>发布轻松：每个服务只负责自己的发布流程。只要对外接口不变，就无需做系统级别的集成测试。</a:t>
+            </a:r>
+            <a:endParaRPr lang="en-US" altLang="zh-CN" sz="1600" dirty="0" smtClean="0"/>
+          </a:p>
+          <a:p>
+            <a:endParaRPr lang="en-US" altLang="zh-CN" sz="1600" dirty="0" smtClean="0"/>
+          </a:p>
+          <a:p>
+            <a:pPr marL="285750" indent="-285750">
+              <a:buFont typeface="Wingdings" panose="05000000000000000000" pitchFamily="2" charset="2"/>
+              <a:buChar char="Ø"/>
+            </a:pPr>
+            <a:r>
+              <a:rPr lang="zh-CN" altLang="en-US" sz="1600" dirty="0" smtClean="0"/>
+              <a:t>轻量级：分拆后，每个服务占用资源少，并且可独立度量。</a:t>
+            </a:r>
+            <a:endParaRPr lang="en-US" altLang="zh-CN" sz="1600" dirty="0"/>
+          </a:p>
+          <a:p>
+            <a:endParaRPr lang="en-US" altLang="zh-CN" sz="1600" dirty="0"/>
+          </a:p>
+          <a:p>
+            <a:pPr marL="285750" indent="-285750">
+              <a:buFont typeface="Wingdings" panose="05000000000000000000" pitchFamily="2" charset="2"/>
+              <a:buChar char="Ø"/>
+            </a:pPr>
+            <a:r>
+              <a:rPr lang="zh-CN" altLang="en-US" sz="1600" dirty="0" smtClean="0"/>
+              <a:t>故障隔离：非核心服务</a:t>
+            </a:r>
+            <a:r>
+              <a:rPr lang="en-US" altLang="zh-CN" sz="1600" dirty="0" smtClean="0"/>
+              <a:t>A</a:t>
+            </a:r>
+            <a:r>
+              <a:rPr lang="zh-CN" altLang="en-US" sz="1600" dirty="0" smtClean="0"/>
+              <a:t>故障不会影响其他服务运行</a:t>
+            </a:r>
+            <a:endParaRPr lang="en-US" altLang="zh-CN" sz="1600" dirty="0" smtClean="0"/>
+          </a:p>
+          <a:p>
+            <a:endParaRPr lang="en-US" altLang="zh-CN" sz="1600" dirty="0"/>
+          </a:p>
+          <a:p>
+            <a:pPr marL="285750" indent="-285750">
+              <a:buFont typeface="Wingdings" panose="05000000000000000000" pitchFamily="2" charset="2"/>
+              <a:buChar char="Ø"/>
+            </a:pPr>
+            <a:r>
+              <a:rPr lang="zh-CN" altLang="en-US" sz="1600" dirty="0" smtClean="0"/>
+              <a:t>持续部署：服务</a:t>
+            </a:r>
+            <a:r>
+              <a:rPr lang="en-US" altLang="zh-CN" sz="1600" dirty="0" smtClean="0"/>
+              <a:t>A</a:t>
+            </a:r>
+            <a:r>
+              <a:rPr lang="zh-CN" altLang="en-US" sz="1600" dirty="0" smtClean="0"/>
+              <a:t>升级不会影响服务</a:t>
+            </a:r>
+            <a:r>
+              <a:rPr lang="en-US" altLang="zh-CN" sz="1600" dirty="0" smtClean="0"/>
+              <a:t>B</a:t>
+            </a:r>
+            <a:r>
+              <a:rPr lang="zh-CN" altLang="en-US" sz="1600" dirty="0" smtClean="0"/>
+              <a:t>运行，并且分拆为微服务后，组件启动时间可以达到秒级</a:t>
+            </a:r>
+            <a:endParaRPr lang="en-US" altLang="zh-CN" sz="1600" dirty="0" smtClean="0"/>
+          </a:p>
+          <a:p>
+            <a:endParaRPr lang="en-US" altLang="zh-CN" sz="1600" dirty="0"/>
+          </a:p>
+          <a:p>
+            <a:pPr marL="285750" indent="-285750">
+              <a:buFont typeface="Wingdings" panose="05000000000000000000" pitchFamily="2" charset="2"/>
+              <a:buChar char="Ø"/>
+            </a:pPr>
+            <a:r>
+              <a:rPr lang="zh-CN" altLang="en-US" sz="1600" dirty="0" smtClean="0"/>
+              <a:t>服务级扩缩：通过扩缩瓶颈服务，提高</a:t>
+            </a:r>
+            <a:r>
+              <a:rPr lang="zh-CN" altLang="en-US" sz="1600" dirty="0"/>
+              <a:t>了</a:t>
+            </a:r>
+            <a:r>
+              <a:rPr lang="zh-CN" altLang="en-US" sz="1600" dirty="0" smtClean="0"/>
+              <a:t>系统吞吐量，同时可以大大提高资源利用率</a:t>
+            </a:r>
+            <a:endParaRPr lang="en-US" altLang="zh-CN" sz="1600" dirty="0" smtClean="0"/>
+          </a:p>
+          <a:p>
+            <a:endParaRPr lang="en-US" altLang="zh-CN" sz="1600" dirty="0"/>
+          </a:p>
+          <a:p>
+            <a:pPr marL="285750" indent="-285750">
+              <a:buFont typeface="Wingdings" panose="05000000000000000000" pitchFamily="2" charset="2"/>
+              <a:buChar char="Ø"/>
+            </a:pPr>
+            <a:r>
+              <a:rPr lang="zh-CN" altLang="en-US" sz="1600" dirty="0" smtClean="0"/>
+              <a:t>多语言支持：只要通信协议是跨语言，就可以实现</a:t>
+            </a:r>
+            <a:r>
+              <a:rPr lang="en-US" altLang="zh-CN" sz="1600" dirty="0" err="1" smtClean="0"/>
+              <a:t>WebUI</a:t>
+            </a:r>
+            <a:r>
+              <a:rPr lang="zh-CN" altLang="en-US" sz="1600" dirty="0" smtClean="0"/>
+              <a:t>使用</a:t>
+            </a:r>
+            <a:r>
+              <a:rPr lang="en-US" altLang="zh-CN" sz="1600" dirty="0" smtClean="0"/>
+              <a:t>ROR</a:t>
+            </a:r>
+            <a:r>
+              <a:rPr lang="zh-CN" altLang="en-US" sz="1600" dirty="0" smtClean="0"/>
+              <a:t>快速开发、后台服务</a:t>
+            </a:r>
+            <a:r>
+              <a:rPr lang="en-US" altLang="zh-CN" sz="1600" dirty="0" smtClean="0"/>
+              <a:t>A</a:t>
+            </a:r>
+            <a:r>
+              <a:rPr lang="zh-CN" altLang="en-US" sz="1600" dirty="0" smtClean="0"/>
+              <a:t>用</a:t>
+            </a:r>
+            <a:r>
+              <a:rPr lang="en-US" altLang="zh-CN" sz="1600" dirty="0" smtClean="0"/>
+              <a:t>java</a:t>
+            </a:r>
+            <a:r>
+              <a:rPr lang="zh-CN" altLang="en-US" sz="1600" dirty="0" smtClean="0"/>
+              <a:t>编写，性能要求高的服务</a:t>
+            </a:r>
+            <a:r>
+              <a:rPr lang="en-US" altLang="zh-CN" sz="1600" dirty="0" smtClean="0"/>
+              <a:t>B</a:t>
+            </a:r>
+            <a:r>
+              <a:rPr lang="zh-CN" altLang="en-US" sz="1600" dirty="0" smtClean="0"/>
+              <a:t>用</a:t>
+            </a:r>
+            <a:r>
+              <a:rPr lang="en-US" altLang="zh-CN" sz="1600" dirty="0" smtClean="0"/>
+              <a:t>C++</a:t>
+            </a:r>
+            <a:r>
+              <a:rPr lang="zh-CN" altLang="en-US" sz="1600" dirty="0" smtClean="0"/>
+              <a:t>或者</a:t>
+            </a:r>
+            <a:r>
+              <a:rPr lang="en-US" altLang="zh-CN" sz="1600" dirty="0" err="1" smtClean="0"/>
+              <a:t>golang</a:t>
+            </a:r>
+            <a:r>
+              <a:rPr lang="zh-CN" altLang="en-US" sz="1600" dirty="0" smtClean="0"/>
+              <a:t>。</a:t>
+            </a:r>
+            <a:endParaRPr lang="en-US" altLang="zh-CN" sz="1600" dirty="0" smtClean="0"/>
+          </a:p>
+          <a:p>
+            <a:endParaRPr lang="en-US" altLang="zh-CN" sz="1600" dirty="0"/>
+          </a:p>
+          <a:p>
+            <a:pPr marL="285750" indent="-285750">
+              <a:buFont typeface="Wingdings" panose="05000000000000000000" pitchFamily="2" charset="2"/>
+              <a:buChar char="Ø"/>
+            </a:pPr>
+            <a:r>
+              <a:rPr lang="zh-CN" altLang="en-US" sz="1600" dirty="0" smtClean="0"/>
+              <a:t>服务运行环境定制化：服务</a:t>
+            </a:r>
+            <a:r>
+              <a:rPr lang="en-US" altLang="zh-CN" sz="1600" dirty="0" smtClean="0"/>
+              <a:t>A</a:t>
+            </a:r>
+            <a:r>
+              <a:rPr lang="zh-CN" altLang="en-US" sz="1600" dirty="0" smtClean="0"/>
+              <a:t>是计算密集型，服务</a:t>
+            </a:r>
+            <a:r>
+              <a:rPr lang="en-US" altLang="zh-CN" sz="1600" dirty="0" smtClean="0"/>
+              <a:t>B</a:t>
+            </a:r>
+            <a:r>
+              <a:rPr lang="zh-CN" altLang="en-US" sz="1600" dirty="0" smtClean="0"/>
+              <a:t>是</a:t>
+            </a:r>
+            <a:r>
+              <a:rPr lang="en-US" altLang="zh-CN" sz="1600" dirty="0" smtClean="0"/>
+              <a:t>IO</a:t>
+            </a:r>
+            <a:r>
+              <a:rPr lang="zh-CN" altLang="en-US" sz="1600" dirty="0" smtClean="0"/>
+              <a:t>密集型，不同的服务提供不同的运行环境</a:t>
+            </a:r>
+            <a:endParaRPr lang="zh-CN" altLang="en-US" sz="1600" dirty="0"/>
+          </a:p>
+        </p:txBody>
+      </p:sp>
+    </p:spTree>
+    <p:extLst>
+      <p:ext uri="{BB962C8B-B14F-4D97-AF65-F5344CB8AC3E}">
+        <p14:creationId xmlns:p14="http://schemas.microsoft.com/office/powerpoint/2010/main" val="400347693"/>
+      </p:ext>
+    </p:extLst>
+  </p:cSld>
+  <p:clrMapOvr>
+    <a:masterClrMapping/>
+  </p:clrMapOvr>
+</p:sld>
+</file>
+
+<file path=ppt/slides/slide11.xml><?xml version="1.0" encoding="utf-8"?>
+<p:sld xmlns:a="http://schemas.openxmlformats.org/drawingml/2006/main" xmlns:r="http://schemas.openxmlformats.org/officeDocument/2006/relationships" xmlns:p="http://schemas.openxmlformats.org/presentationml/2006/main">
+  <p:cSld>
+    <p:spTree>
+      <p:nvGrpSpPr>
+        <p:cNvPr id="1" name=""/>
+        <p:cNvGrpSpPr/>
+        <p:nvPr/>
+      </p:nvGrpSpPr>
+      <p:grpSpPr>
+        <a:xfrm>
+          <a:off x="0" y="0"/>
+          <a:ext cx="0" cy="0"/>
+          <a:chOff x="0" y="0"/>
+          <a:chExt cx="0" cy="0"/>
+        </a:xfrm>
+      </p:grpSpPr>
+      <p:sp>
+        <p:nvSpPr>
+          <p:cNvPr id="4" name="TextBox 3"/>
+          <p:cNvSpPr txBox="1"/>
+          <p:nvPr/>
+        </p:nvSpPr>
+        <p:spPr>
+          <a:xfrm>
+            <a:off x="1259632" y="1124744"/>
+            <a:ext cx="5760640" cy="3600986"/>
+          </a:xfrm>
+          <a:prstGeom prst="rect">
+            <a:avLst/>
+          </a:prstGeom>
+          <a:noFill/>
+        </p:spPr>
+        <p:txBody>
+          <a:bodyPr wrap="square" rtlCol="0">
+            <a:spAutoFit/>
+          </a:bodyPr>
+          <a:lstStyle/>
+          <a:p>
+            <a:r>
+              <a:rPr lang="zh-CN" altLang="en-US" b="1" dirty="0"/>
+              <a:t>微</a:t>
+            </a:r>
+            <a:r>
+              <a:rPr lang="zh-CN" altLang="en-US" b="1" dirty="0" smtClean="0"/>
+              <a:t>服务架构带来了另外一个变革</a:t>
+            </a:r>
+            <a:r>
+              <a:rPr lang="en-US" altLang="zh-CN" b="1" dirty="0" smtClean="0"/>
+              <a:t>---------&gt;</a:t>
+            </a:r>
+            <a:r>
+              <a:rPr lang="en-US" altLang="zh-CN" b="1" dirty="0" err="1" smtClean="0"/>
+              <a:t>DevOps</a:t>
+            </a:r>
+            <a:r>
+              <a:rPr lang="zh-CN" altLang="en-US" b="1" dirty="0" smtClean="0"/>
+              <a:t>文化</a:t>
+            </a:r>
+            <a:endParaRPr lang="en-US" altLang="zh-CN" b="1" dirty="0" smtClean="0"/>
+          </a:p>
+          <a:p>
+            <a:endParaRPr lang="en-US" altLang="zh-CN" dirty="0"/>
+          </a:p>
+          <a:p>
+            <a:r>
+              <a:rPr lang="en-US" altLang="zh-CN" sz="1600" dirty="0" err="1" smtClean="0"/>
+              <a:t>DevOps</a:t>
+            </a:r>
+            <a:r>
+              <a:rPr lang="zh-CN" altLang="en-US" sz="1600" dirty="0" smtClean="0"/>
+              <a:t>提倡：</a:t>
+            </a:r>
+            <a:endParaRPr lang="en-US" altLang="zh-CN" sz="1600" dirty="0" smtClean="0"/>
+          </a:p>
+          <a:p>
+            <a:endParaRPr lang="en-US" altLang="zh-CN" sz="1600" dirty="0"/>
+          </a:p>
+          <a:p>
+            <a:pPr marL="285750" indent="-285750">
+              <a:buFont typeface="Wingdings" panose="05000000000000000000" pitchFamily="2" charset="2"/>
+              <a:buChar char="Ø"/>
+            </a:pPr>
+            <a:r>
+              <a:rPr lang="zh-CN" altLang="en-US" sz="1600" dirty="0" smtClean="0"/>
+              <a:t>全生命周期负责：</a:t>
+            </a:r>
+            <a:r>
+              <a:rPr lang="en-US" altLang="zh-CN" sz="1600" dirty="0" smtClean="0"/>
+              <a:t>Build Yourself, Run Yourself, Maintain Yourself</a:t>
+            </a:r>
+          </a:p>
+          <a:p>
+            <a:endParaRPr lang="en-US" altLang="zh-CN" sz="1600" dirty="0"/>
+          </a:p>
+          <a:p>
+            <a:pPr marL="285750" indent="-285750">
+              <a:buFont typeface="Wingdings" panose="05000000000000000000" pitchFamily="2" charset="2"/>
+              <a:buChar char="Ø"/>
+            </a:pPr>
+            <a:r>
+              <a:rPr lang="zh-CN" altLang="en-US" sz="1600" dirty="0" smtClean="0"/>
+              <a:t>全功能团队：</a:t>
+            </a:r>
+            <a:r>
+              <a:rPr lang="en-US" altLang="zh-CN" sz="1600" dirty="0" smtClean="0"/>
+              <a:t>dev</a:t>
+            </a:r>
+            <a:r>
+              <a:rPr lang="zh-CN" altLang="en-US" sz="1600" dirty="0" smtClean="0"/>
+              <a:t>、</a:t>
+            </a:r>
+            <a:r>
+              <a:rPr lang="en-US" altLang="zh-CN" sz="1600" dirty="0" smtClean="0"/>
+              <a:t>test</a:t>
+            </a:r>
+            <a:r>
+              <a:rPr lang="zh-CN" altLang="en-US" sz="1600" dirty="0" smtClean="0"/>
+              <a:t>、</a:t>
+            </a:r>
+            <a:r>
+              <a:rPr lang="en-US" altLang="zh-CN" sz="1600" dirty="0" smtClean="0"/>
+              <a:t>ops   etc.</a:t>
+            </a:r>
+          </a:p>
+          <a:p>
+            <a:endParaRPr lang="en-US" altLang="zh-CN" sz="1600" dirty="0"/>
+          </a:p>
+          <a:p>
+            <a:pPr marL="285750" indent="-285750">
+              <a:buFont typeface="Wingdings" panose="05000000000000000000" pitchFamily="2" charset="2"/>
+              <a:buChar char="Ø"/>
+            </a:pPr>
+            <a:r>
+              <a:rPr lang="zh-CN" altLang="en-US" sz="1600" dirty="0" smtClean="0"/>
+              <a:t>全流程自动化：</a:t>
+            </a:r>
+            <a:r>
+              <a:rPr lang="en-US" altLang="zh-CN" sz="1600" dirty="0" smtClean="0"/>
+              <a:t>Code Commit</a:t>
+            </a:r>
+            <a:r>
+              <a:rPr lang="zh-CN" altLang="en-US" sz="1600" dirty="0" smtClean="0"/>
+              <a:t>、</a:t>
+            </a:r>
+            <a:r>
+              <a:rPr lang="en-US" altLang="zh-CN" sz="1600" dirty="0" smtClean="0"/>
+              <a:t>Code Review</a:t>
+            </a:r>
+            <a:r>
+              <a:rPr lang="zh-CN" altLang="en-US" sz="1600" dirty="0" smtClean="0"/>
+              <a:t>，</a:t>
+            </a:r>
+            <a:r>
+              <a:rPr lang="en-US" altLang="zh-CN" sz="1600" dirty="0" smtClean="0"/>
+              <a:t>Code Build</a:t>
+            </a:r>
+            <a:r>
+              <a:rPr lang="zh-CN" altLang="en-US" sz="1600" dirty="0" smtClean="0"/>
+              <a:t>、</a:t>
+            </a:r>
+            <a:r>
+              <a:rPr lang="en-US" altLang="zh-CN" sz="1600" dirty="0" smtClean="0"/>
+              <a:t>Code Test</a:t>
+            </a:r>
+            <a:r>
+              <a:rPr lang="zh-CN" altLang="en-US" sz="1600" dirty="0" smtClean="0"/>
+              <a:t>，</a:t>
+            </a:r>
+            <a:r>
+              <a:rPr lang="en-US" altLang="zh-CN" sz="1600" dirty="0" smtClean="0"/>
+              <a:t>Code Push</a:t>
+            </a:r>
+            <a:r>
+              <a:rPr lang="zh-CN" altLang="en-US" sz="1600" dirty="0" smtClean="0"/>
+              <a:t>、</a:t>
+            </a:r>
+            <a:r>
+              <a:rPr lang="en-US" altLang="zh-CN" sz="1600" dirty="0" smtClean="0"/>
+              <a:t>Code Deploy</a:t>
+            </a:r>
+          </a:p>
+          <a:p>
+            <a:endParaRPr lang="en-US" altLang="zh-CN" sz="1600" dirty="0"/>
+          </a:p>
+          <a:p>
+            <a:pPr marL="285750" indent="-285750">
+              <a:buFont typeface="Wingdings" panose="05000000000000000000" pitchFamily="2" charset="2"/>
+              <a:buChar char="Ø"/>
+            </a:pPr>
+            <a:r>
+              <a:rPr lang="zh-CN" altLang="en-US" sz="1600" dirty="0" smtClean="0"/>
+              <a:t>持续交付：能达到一天一次升级甚至一天几次升级而不影响系统稳定性</a:t>
+            </a:r>
+            <a:endParaRPr lang="en-US" altLang="zh-CN" sz="1600" dirty="0" smtClean="0"/>
+          </a:p>
+        </p:txBody>
+      </p:sp>
+    </p:spTree>
+    <p:extLst>
+      <p:ext uri="{BB962C8B-B14F-4D97-AF65-F5344CB8AC3E}">
+        <p14:creationId xmlns:p14="http://schemas.microsoft.com/office/powerpoint/2010/main" val="3607830498"/>
+      </p:ext>
+    </p:extLst>
+  </p:cSld>
+  <p:clrMapOvr>
+    <a:masterClrMapping/>
+  </p:clrMapOvr>
+</p:sld>
+</file>
+
+<file path=ppt/slides/slide12.xml><?xml version="1.0" encoding="utf-8"?>
+<p:sld xmlns:a="http://schemas.openxmlformats.org/drawingml/2006/main" xmlns:r="http://schemas.openxmlformats.org/officeDocument/2006/relationships" xmlns:p="http://schemas.openxmlformats.org/presentationml/2006/main">
+  <p:cSld>
+    <p:spTree>
+      <p:nvGrpSpPr>
+        <p:cNvPr id="1" name=""/>
+        <p:cNvGrpSpPr/>
+        <p:nvPr/>
+      </p:nvGrpSpPr>
+      <p:grpSpPr>
+        <a:xfrm>
+          <a:off x="0" y="0"/>
+          <a:ext cx="0" cy="0"/>
+          <a:chOff x="0" y="0"/>
+          <a:chExt cx="0" cy="0"/>
+        </a:xfrm>
+      </p:grpSpPr>
+      <p:pic>
+        <p:nvPicPr>
+          <p:cNvPr id="3074" name="Picture 2"/>
+          <p:cNvPicPr>
+            <a:picLocks noChangeAspect="1" noChangeArrowheads="1"/>
+          </p:cNvPicPr>
+          <p:nvPr/>
+        </p:nvPicPr>
+        <p:blipFill>
+          <a:blip r:embed="rId2">
+            <a:extLst>
+              <a:ext uri="{28A0092B-C50C-407E-A947-70E740481C1C}">
+                <a14:useLocalDpi xmlns:a14="http://schemas.microsoft.com/office/drawing/2010/main" val="0"/>
+              </a:ext>
+            </a:extLst>
+          </a:blip>
+          <a:srcRect/>
+          <a:stretch>
+            <a:fillRect/>
+          </a:stretch>
+        </p:blipFill>
+        <p:spPr bwMode="auto">
+          <a:xfrm>
+            <a:off x="-1764704" y="2060848"/>
+            <a:ext cx="5924550" cy="4714875"/>
+          </a:xfrm>
+          <a:prstGeom prst="rect">
+            <a:avLst/>
+          </a:prstGeom>
+          <a:noFill/>
+          <a:ln>
+            <a:noFill/>
+          </a:ln>
+          <a:extLst>
+            <a:ext uri="{909E8E84-426E-40DD-AFC4-6F175D3DCCD1}">
+              <a14:hiddenFill xmlns:a14="http://schemas.microsoft.com/office/drawing/2010/main">
+                <a:solidFill>
+                  <a:schemeClr val="accent1"/>
+                </a:solidFill>
+              </a14:hiddenFill>
+            </a:ext>
+            <a:ext uri="{91240B29-F687-4F45-9708-019B960494DF}">
+              <a14:hiddenLine xmlns:a14="http://schemas.microsoft.com/office/drawing/2010/main" w="9525">
+                <a:solidFill>
+                  <a:schemeClr val="tx1"/>
+                </a:solidFill>
+                <a:miter lim="800000"/>
+                <a:headEnd/>
+                <a:tailEnd/>
+              </a14:hiddenLine>
+            </a:ext>
+          </a:extLst>
+        </p:spPr>
+      </p:pic>
+      <p:pic>
+        <p:nvPicPr>
+          <p:cNvPr id="3076" name="Picture 4"/>
+          <p:cNvPicPr>
+            <a:picLocks noChangeAspect="1" noChangeArrowheads="1"/>
+          </p:cNvPicPr>
+          <p:nvPr/>
+        </p:nvPicPr>
+        <p:blipFill>
+          <a:blip r:embed="rId3">
+            <a:extLst>
+              <a:ext uri="{28A0092B-C50C-407E-A947-70E740481C1C}">
+                <a14:useLocalDpi xmlns:a14="http://schemas.microsoft.com/office/drawing/2010/main" val="0"/>
+              </a:ext>
+            </a:extLst>
+          </a:blip>
+          <a:srcRect/>
+          <a:stretch>
+            <a:fillRect/>
+          </a:stretch>
+        </p:blipFill>
+        <p:spPr bwMode="auto">
+          <a:xfrm>
+            <a:off x="4716016" y="2060848"/>
+            <a:ext cx="6267450" cy="2514600"/>
+          </a:xfrm>
+          <a:prstGeom prst="rect">
+            <a:avLst/>
+          </a:prstGeom>
+          <a:noFill/>
+          <a:ln>
+            <a:noFill/>
+          </a:ln>
+          <a:extLst>
+            <a:ext uri="{909E8E84-426E-40DD-AFC4-6F175D3DCCD1}">
+              <a14:hiddenFill xmlns:a14="http://schemas.microsoft.com/office/drawing/2010/main">
+                <a:solidFill>
+                  <a:schemeClr val="accent1"/>
+                </a:solidFill>
+              </a14:hiddenFill>
+            </a:ext>
+            <a:ext uri="{91240B29-F687-4F45-9708-019B960494DF}">
+              <a14:hiddenLine xmlns:a14="http://schemas.microsoft.com/office/drawing/2010/main" w="9525">
+                <a:solidFill>
+                  <a:schemeClr val="tx1"/>
+                </a:solidFill>
+                <a:miter lim="800000"/>
+                <a:headEnd/>
+                <a:tailEnd/>
+              </a14:hiddenLine>
+            </a:ext>
+          </a:extLst>
+        </p:spPr>
+      </p:pic>
+      <p:sp>
+        <p:nvSpPr>
+          <p:cNvPr id="4" name="TextBox 3"/>
+          <p:cNvSpPr txBox="1"/>
+          <p:nvPr/>
+        </p:nvSpPr>
+        <p:spPr>
+          <a:xfrm>
+            <a:off x="1413981" y="1280220"/>
+            <a:ext cx="6408712" cy="584775"/>
+          </a:xfrm>
+          <a:prstGeom prst="rect">
+            <a:avLst/>
+          </a:prstGeom>
+          <a:noFill/>
+        </p:spPr>
+        <p:txBody>
+          <a:bodyPr wrap="square" rtlCol="0">
+            <a:spAutoFit/>
+          </a:bodyPr>
+          <a:lstStyle/>
+          <a:p>
+            <a:r>
+              <a:rPr lang="en-US" altLang="zh-CN" sz="1600" b="1" dirty="0" smtClean="0"/>
+              <a:t>DevOps</a:t>
+            </a:r>
+            <a:r>
+              <a:rPr lang="zh-CN" altLang="en-US" sz="1600" b="1" dirty="0" smtClean="0"/>
+              <a:t>组织结构：</a:t>
+            </a:r>
+            <a:r>
+              <a:rPr lang="zh-CN" altLang="en-US" sz="1400" dirty="0" smtClean="0"/>
+              <a:t>人员按服务组织成团队，每个团队都是全功能小组，负责某一个服务的全生命周期管理</a:t>
+            </a:r>
+            <a:r>
+              <a:rPr lang="zh-CN" altLang="en-US" sz="1600" dirty="0" smtClean="0"/>
+              <a:t>。</a:t>
+            </a:r>
+            <a:endParaRPr lang="zh-CN" altLang="en-US" sz="1600" dirty="0"/>
+          </a:p>
+        </p:txBody>
+      </p:sp>
+      <p:sp>
+        <p:nvSpPr>
+          <p:cNvPr id="8" name="TextBox 7"/>
+          <p:cNvSpPr txBox="1"/>
+          <p:nvPr/>
+        </p:nvSpPr>
+        <p:spPr>
+          <a:xfrm>
+            <a:off x="1413981" y="638199"/>
+            <a:ext cx="6408712" cy="553998"/>
+          </a:xfrm>
+          <a:prstGeom prst="rect">
+            <a:avLst/>
+          </a:prstGeom>
+          <a:noFill/>
+        </p:spPr>
+        <p:txBody>
+          <a:bodyPr wrap="square" rtlCol="0">
+            <a:spAutoFit/>
+          </a:bodyPr>
+          <a:lstStyle/>
+          <a:p>
+            <a:r>
+              <a:rPr lang="zh-CN" altLang="en-US" sz="1600" b="1" dirty="0" smtClean="0"/>
+              <a:t>传统组织结构：</a:t>
+            </a:r>
+            <a:r>
+              <a:rPr lang="zh-CN" altLang="en-US" sz="1400" dirty="0" smtClean="0"/>
+              <a:t>人员按角色组织成团队，每个团队负责某一角色类工作，所有团队一起负责一个应用的生命周期管理。</a:t>
+            </a:r>
+            <a:endParaRPr lang="zh-CN" altLang="en-US" sz="1400" dirty="0"/>
+          </a:p>
+        </p:txBody>
+      </p:sp>
+    </p:spTree>
+    <p:extLst>
+      <p:ext uri="{BB962C8B-B14F-4D97-AF65-F5344CB8AC3E}">
+        <p14:creationId xmlns:p14="http://schemas.microsoft.com/office/powerpoint/2010/main" val="3488671639"/>
+      </p:ext>
+    </p:extLst>
+  </p:cSld>
+  <p:clrMapOvr>
+    <a:masterClrMapping/>
+  </p:clrMapOvr>
+</p:sld>
+</file>
+
+<file path=ppt/slides/slide13.xml><?xml version="1.0" encoding="utf-8"?>
+<p:sld xmlns:a="http://schemas.openxmlformats.org/drawingml/2006/main" xmlns:r="http://schemas.openxmlformats.org/officeDocument/2006/relationships" xmlns:p="http://schemas.openxmlformats.org/presentationml/2006/main">
+  <p:cSld>
+    <p:spTree>
+      <p:nvGrpSpPr>
+        <p:cNvPr id="1" name=""/>
+        <p:cNvGrpSpPr/>
+        <p:nvPr/>
+      </p:nvGrpSpPr>
+      <p:grpSpPr>
+        <a:xfrm>
+          <a:off x="0" y="0"/>
+          <a:ext cx="0" cy="0"/>
+          <a:chOff x="0" y="0"/>
+          <a:chExt cx="0" cy="0"/>
+        </a:xfrm>
+      </p:grpSpPr>
+      <p:sp>
+        <p:nvSpPr>
+          <p:cNvPr id="4" name="TextBox 3"/>
+          <p:cNvSpPr txBox="1"/>
+          <p:nvPr/>
+        </p:nvSpPr>
+        <p:spPr>
+          <a:xfrm>
+            <a:off x="1475656" y="1412776"/>
+            <a:ext cx="4104456" cy="369332"/>
+          </a:xfrm>
+          <a:prstGeom prst="rect">
+            <a:avLst/>
+          </a:prstGeom>
+          <a:noFill/>
+        </p:spPr>
+        <p:txBody>
+          <a:bodyPr wrap="square" rtlCol="0">
+            <a:spAutoFit/>
+          </a:bodyPr>
+          <a:lstStyle>
+            <a:defPPr>
+              <a:defRPr lang="zh-CN"/>
+            </a:defPPr>
+            <a:lvl1pPr marL="285750" indent="-285750">
+              <a:buFont typeface="Wingdings" panose="05000000000000000000" pitchFamily="2" charset="2"/>
+              <a:buChar char="u"/>
+              <a:defRPr>
+                <a:solidFill>
+                  <a:schemeClr val="tx1"/>
+                </a:solidFill>
+              </a:defRPr>
+            </a:lvl1pPr>
+            <a:lvl2pPr>
+              <a:defRPr>
+                <a:solidFill>
+                  <a:schemeClr val="tx1"/>
+                </a:solidFill>
+              </a:defRPr>
+            </a:lvl2pPr>
+            <a:lvl3pPr>
+              <a:defRPr>
+                <a:solidFill>
+                  <a:schemeClr val="tx1"/>
+                </a:solidFill>
+              </a:defRPr>
+            </a:lvl3pPr>
+            <a:lvl4pPr>
+              <a:defRPr>
+                <a:solidFill>
+                  <a:schemeClr val="tx1"/>
+                </a:solidFill>
+              </a:defRPr>
+            </a:lvl4pPr>
+            <a:lvl5pPr>
+              <a:defRPr>
+                <a:solidFill>
+                  <a:schemeClr val="tx1"/>
+                </a:solidFill>
+              </a:defRPr>
+            </a:lvl5pPr>
+            <a:lvl6pPr>
+              <a:defRPr>
+                <a:solidFill>
+                  <a:schemeClr val="tx1"/>
+                </a:solidFill>
+              </a:defRPr>
+            </a:lvl6pPr>
+            <a:lvl7pPr>
+              <a:defRPr>
+                <a:solidFill>
+                  <a:schemeClr val="tx1"/>
+                </a:solidFill>
+              </a:defRPr>
+            </a:lvl7pPr>
+            <a:lvl8pPr>
+              <a:defRPr>
+                <a:solidFill>
+                  <a:schemeClr val="tx1"/>
+                </a:solidFill>
+              </a:defRPr>
+            </a:lvl8pPr>
+            <a:lvl9pPr>
+              <a:defRPr>
+                <a:solidFill>
+                  <a:schemeClr val="tx1"/>
+                </a:solidFill>
+              </a:defRPr>
+            </a:lvl9pPr>
+          </a:lstStyle>
+          <a:p>
+            <a:r>
+              <a:rPr lang="zh-CN" altLang="en-US" dirty="0"/>
+              <a:t>引言</a:t>
+            </a:r>
+          </a:p>
+        </p:txBody>
+      </p:sp>
+      <p:sp>
+        <p:nvSpPr>
+          <p:cNvPr id="5" name="TextBox 4"/>
+          <p:cNvSpPr txBox="1"/>
+          <p:nvPr/>
+        </p:nvSpPr>
+        <p:spPr>
+          <a:xfrm>
+            <a:off x="1494792" y="2060848"/>
+            <a:ext cx="4104456" cy="369332"/>
+          </a:xfrm>
+          <a:prstGeom prst="rect">
+            <a:avLst/>
+          </a:prstGeom>
+          <a:noFill/>
+        </p:spPr>
+        <p:txBody>
+          <a:bodyPr wrap="square" rtlCol="0">
+            <a:spAutoFit/>
+          </a:bodyPr>
+          <a:lstStyle>
+            <a:defPPr>
+              <a:defRPr lang="zh-CN"/>
+            </a:defPPr>
+            <a:lvl1pPr marL="285750" indent="-285750">
+              <a:buFont typeface="Wingdings" panose="05000000000000000000" pitchFamily="2" charset="2"/>
+              <a:buChar char="u"/>
+              <a:defRPr>
+                <a:solidFill>
+                  <a:schemeClr val="tx1"/>
+                </a:solidFill>
+              </a:defRPr>
+            </a:lvl1pPr>
+            <a:lvl2pPr>
+              <a:defRPr>
+                <a:solidFill>
+                  <a:schemeClr val="tx1"/>
+                </a:solidFill>
+              </a:defRPr>
+            </a:lvl2pPr>
+            <a:lvl3pPr>
+              <a:defRPr>
+                <a:solidFill>
+                  <a:schemeClr val="tx1"/>
+                </a:solidFill>
+              </a:defRPr>
+            </a:lvl3pPr>
+            <a:lvl4pPr>
+              <a:defRPr>
+                <a:solidFill>
+                  <a:schemeClr val="tx1"/>
+                </a:solidFill>
+              </a:defRPr>
+            </a:lvl4pPr>
+            <a:lvl5pPr>
+              <a:defRPr>
+                <a:solidFill>
+                  <a:schemeClr val="tx1"/>
+                </a:solidFill>
+              </a:defRPr>
+            </a:lvl5pPr>
+            <a:lvl6pPr>
+              <a:defRPr>
+                <a:solidFill>
+                  <a:schemeClr val="tx1"/>
+                </a:solidFill>
+              </a:defRPr>
+            </a:lvl6pPr>
+            <a:lvl7pPr>
+              <a:defRPr>
+                <a:solidFill>
+                  <a:schemeClr val="tx1"/>
+                </a:solidFill>
+              </a:defRPr>
+            </a:lvl7pPr>
+            <a:lvl8pPr>
+              <a:defRPr>
+                <a:solidFill>
+                  <a:schemeClr val="tx1"/>
+                </a:solidFill>
+              </a:defRPr>
+            </a:lvl8pPr>
+            <a:lvl9pPr>
+              <a:defRPr>
+                <a:solidFill>
+                  <a:schemeClr val="tx1"/>
+                </a:solidFill>
+              </a:defRPr>
+            </a:lvl9pPr>
+          </a:lstStyle>
+          <a:p>
+            <a:r>
+              <a:rPr lang="zh-CN" altLang="en-US" dirty="0"/>
+              <a:t>什么是微服务架构</a:t>
+            </a:r>
+          </a:p>
+        </p:txBody>
+      </p:sp>
+      <p:sp>
+        <p:nvSpPr>
+          <p:cNvPr id="6" name="TextBox 5"/>
+          <p:cNvSpPr txBox="1"/>
+          <p:nvPr/>
+        </p:nvSpPr>
+        <p:spPr>
+          <a:xfrm>
+            <a:off x="1494792" y="2783487"/>
+            <a:ext cx="4104456" cy="369332"/>
+          </a:xfrm>
+          <a:prstGeom prst="rect">
+            <a:avLst/>
+          </a:prstGeom>
+          <a:noFill/>
+        </p:spPr>
+        <p:txBody>
+          <a:bodyPr wrap="square" rtlCol="0">
+            <a:spAutoFit/>
+          </a:bodyPr>
+          <a:lstStyle/>
+          <a:p>
+            <a:pPr marL="285750" indent="-285750">
+              <a:buFont typeface="Wingdings" panose="05000000000000000000" pitchFamily="2" charset="2"/>
+              <a:buChar char="u"/>
+            </a:pPr>
+            <a:r>
+              <a:rPr lang="zh-CN" altLang="en-US" dirty="0" smtClean="0"/>
+              <a:t>为什么要用微服务架构</a:t>
+            </a:r>
+            <a:endParaRPr lang="zh-CN" altLang="en-US" dirty="0"/>
+          </a:p>
+        </p:txBody>
+      </p:sp>
+      <p:sp>
+        <p:nvSpPr>
+          <p:cNvPr id="7" name="TextBox 6"/>
+          <p:cNvSpPr txBox="1"/>
+          <p:nvPr/>
+        </p:nvSpPr>
+        <p:spPr>
+          <a:xfrm>
+            <a:off x="1511261" y="3573016"/>
+            <a:ext cx="4104456" cy="369332"/>
+          </a:xfrm>
+          <a:prstGeom prst="rect">
+            <a:avLst/>
+          </a:prstGeom>
+        </p:spPr>
+        <p:style>
+          <a:lnRef idx="0">
+            <a:schemeClr val="accent2"/>
+          </a:lnRef>
+          <a:fillRef idx="3">
+            <a:schemeClr val="accent2"/>
+          </a:fillRef>
+          <a:effectRef idx="3">
+            <a:schemeClr val="accent2"/>
+          </a:effectRef>
+          <a:fontRef idx="minor">
+            <a:schemeClr val="lt1"/>
+          </a:fontRef>
+        </p:style>
+        <p:txBody>
+          <a:bodyPr wrap="square" rtlCol="0">
+            <a:spAutoFit/>
+          </a:bodyPr>
+          <a:lstStyle/>
+          <a:p>
+            <a:pPr marL="285750" indent="-285750">
+              <a:buFont typeface="Wingdings" panose="05000000000000000000" pitchFamily="2" charset="2"/>
+              <a:buChar char="u"/>
+            </a:pPr>
+            <a:r>
+              <a:rPr lang="zh-CN" altLang="en-US" dirty="0"/>
+              <a:t>实施</a:t>
+            </a:r>
+            <a:r>
+              <a:rPr lang="zh-CN" altLang="en-US" dirty="0" smtClean="0"/>
+              <a:t>微服务架构有哪些挑战</a:t>
+            </a:r>
+            <a:endParaRPr lang="zh-CN" altLang="en-US" dirty="0"/>
+          </a:p>
+        </p:txBody>
+      </p:sp>
+    </p:spTree>
+    <p:extLst>
+      <p:ext uri="{BB962C8B-B14F-4D97-AF65-F5344CB8AC3E}">
+        <p14:creationId xmlns:p14="http://schemas.microsoft.com/office/powerpoint/2010/main" val="3969345957"/>
+      </p:ext>
+    </p:extLst>
+  </p:cSld>
+  <p:clrMapOvr>
+    <a:masterClrMapping/>
+  </p:clrMapOvr>
+</p:sld>
+</file>
+
+<file path=ppt/slides/slide14.xml><?xml version="1.0" encoding="utf-8"?>
+<p:sld xmlns:a="http://schemas.openxmlformats.org/drawingml/2006/main" xmlns:r="http://schemas.openxmlformats.org/officeDocument/2006/relationships" xmlns:p="http://schemas.openxmlformats.org/presentationml/2006/main">
+  <p:cSld>
+    <p:spTree>
+      <p:nvGrpSpPr>
+        <p:cNvPr id="1" name=""/>
+        <p:cNvGrpSpPr/>
+        <p:nvPr/>
+      </p:nvGrpSpPr>
+      <p:grpSpPr>
+        <a:xfrm>
+          <a:off x="0" y="0"/>
+          <a:ext cx="0" cy="0"/>
+          <a:chOff x="0" y="0"/>
+          <a:chExt cx="0" cy="0"/>
+        </a:xfrm>
+      </p:grpSpPr>
+      <p:sp>
+        <p:nvSpPr>
+          <p:cNvPr id="5" name="TextBox 4"/>
+          <p:cNvSpPr txBox="1"/>
+          <p:nvPr/>
+        </p:nvSpPr>
+        <p:spPr>
+          <a:xfrm>
+            <a:off x="971600" y="805354"/>
+            <a:ext cx="7056784" cy="369332"/>
+          </a:xfrm>
+          <a:prstGeom prst="rect">
+            <a:avLst/>
+          </a:prstGeom>
+          <a:noFill/>
+        </p:spPr>
+        <p:txBody>
+          <a:bodyPr wrap="square" rtlCol="0">
+            <a:spAutoFit/>
+          </a:bodyPr>
+          <a:lstStyle/>
+          <a:p>
+            <a:r>
+              <a:rPr lang="zh-CN" altLang="en-US" b="1" dirty="0" smtClean="0"/>
+              <a:t>实施微服务架构有哪些挑战</a:t>
+            </a:r>
+            <a:endParaRPr lang="zh-CN" altLang="en-US" b="1" dirty="0"/>
+          </a:p>
+        </p:txBody>
+      </p:sp>
+      <p:sp>
+        <p:nvSpPr>
+          <p:cNvPr id="7" name="TextBox 6"/>
+          <p:cNvSpPr txBox="1"/>
+          <p:nvPr/>
+        </p:nvSpPr>
+        <p:spPr>
+          <a:xfrm>
+            <a:off x="971600" y="1484784"/>
+            <a:ext cx="7200800" cy="5262979"/>
+          </a:xfrm>
+          <a:prstGeom prst="rect">
+            <a:avLst/>
+          </a:prstGeom>
+          <a:noFill/>
+        </p:spPr>
+        <p:txBody>
+          <a:bodyPr wrap="square" rtlCol="0">
+            <a:spAutoFit/>
+          </a:bodyPr>
+          <a:lstStyle/>
+          <a:p>
+            <a:pPr marL="285750" indent="-285750">
+              <a:buFont typeface="Wingdings" panose="05000000000000000000" pitchFamily="2" charset="2"/>
+              <a:buChar char="Ø"/>
+            </a:pPr>
+            <a:r>
+              <a:rPr lang="zh-CN" altLang="en-US" sz="1600" dirty="0" smtClean="0"/>
+              <a:t>服务注册与服务发现：服务如何注册以及服务如何彼此发现，</a:t>
+            </a:r>
+            <a:r>
+              <a:rPr lang="en-US" altLang="zh-CN" sz="1600" dirty="0" err="1" smtClean="0"/>
+              <a:t>etcd</a:t>
+            </a:r>
+            <a:r>
+              <a:rPr lang="en-US" altLang="zh-CN" sz="1600" dirty="0" smtClean="0"/>
+              <a:t>(google)</a:t>
+            </a:r>
+            <a:r>
+              <a:rPr lang="zh-CN" altLang="en-US" sz="1600" dirty="0" smtClean="0"/>
+              <a:t>、</a:t>
+            </a:r>
+            <a:r>
+              <a:rPr lang="en-US" altLang="zh-CN" sz="1600" dirty="0" err="1" smtClean="0"/>
+              <a:t>dubbo</a:t>
+            </a:r>
+            <a:r>
+              <a:rPr lang="en-US" altLang="zh-CN" sz="1600" dirty="0" smtClean="0"/>
+              <a:t>(</a:t>
+            </a:r>
+            <a:r>
+              <a:rPr lang="en-US" altLang="zh-CN" sz="1600" dirty="0" err="1" smtClean="0"/>
+              <a:t>alibaba</a:t>
+            </a:r>
+            <a:r>
+              <a:rPr lang="en-US" altLang="zh-CN" sz="1600" dirty="0" smtClean="0"/>
+              <a:t>)</a:t>
+            </a:r>
+            <a:r>
+              <a:rPr lang="zh-CN" altLang="en-US" sz="1600" dirty="0" smtClean="0"/>
+              <a:t>、</a:t>
+            </a:r>
+            <a:r>
+              <a:rPr lang="en-US" altLang="zh-CN" sz="1600" dirty="0" smtClean="0"/>
+              <a:t>eureka(</a:t>
+            </a:r>
+            <a:r>
+              <a:rPr lang="en-US" altLang="zh-CN" sz="1600" dirty="0" err="1" smtClean="0"/>
+              <a:t>netflix</a:t>
+            </a:r>
+            <a:r>
+              <a:rPr lang="en-US" altLang="zh-CN" sz="1600" dirty="0" smtClean="0"/>
+              <a:t>)</a:t>
+            </a:r>
+            <a:r>
+              <a:rPr lang="zh-CN" altLang="en-US" sz="1600" dirty="0"/>
+              <a:t>等等</a:t>
+            </a:r>
+            <a:endParaRPr lang="en-US" altLang="zh-CN" sz="1600" dirty="0" smtClean="0"/>
+          </a:p>
+          <a:p>
+            <a:endParaRPr lang="en-US" altLang="zh-CN" sz="1600" dirty="0"/>
+          </a:p>
+          <a:p>
+            <a:pPr marL="285750" indent="-285750">
+              <a:buFont typeface="Wingdings" panose="05000000000000000000" pitchFamily="2" charset="2"/>
+              <a:buChar char="Ø"/>
+            </a:pPr>
+            <a:r>
+              <a:rPr lang="zh-CN" altLang="en-US" sz="1600" dirty="0" smtClean="0"/>
+              <a:t>负载均衡：如何负载服务收到的请求，</a:t>
+            </a:r>
+            <a:r>
+              <a:rPr lang="en-US" altLang="zh-CN" sz="1600" dirty="0" err="1" smtClean="0"/>
+              <a:t>nginx</a:t>
+            </a:r>
+            <a:r>
+              <a:rPr lang="zh-CN" altLang="en-US" sz="1600" dirty="0" smtClean="0"/>
+              <a:t>、</a:t>
+            </a:r>
+            <a:r>
+              <a:rPr lang="en-US" altLang="zh-CN" sz="1600" dirty="0" err="1"/>
+              <a:t>zuul</a:t>
+            </a:r>
+            <a:r>
+              <a:rPr lang="en-US" altLang="zh-CN" sz="1600" dirty="0"/>
+              <a:t>(</a:t>
+            </a:r>
+            <a:r>
+              <a:rPr lang="en-US" altLang="zh-CN" sz="1600" dirty="0" err="1"/>
+              <a:t>netflix</a:t>
+            </a:r>
+            <a:r>
+              <a:rPr lang="en-US" altLang="zh-CN" sz="1600" dirty="0"/>
+              <a:t>)</a:t>
+            </a:r>
+            <a:r>
+              <a:rPr lang="zh-CN" altLang="en-US" sz="1600" dirty="0" smtClean="0"/>
+              <a:t>、</a:t>
+            </a:r>
+            <a:r>
+              <a:rPr lang="en-US" altLang="zh-CN" sz="1600" dirty="0" smtClean="0"/>
+              <a:t>apache</a:t>
+            </a:r>
+            <a:r>
+              <a:rPr lang="zh-CN" altLang="en-US" sz="1600" dirty="0" smtClean="0"/>
+              <a:t>、自己实现</a:t>
+            </a:r>
+            <a:endParaRPr lang="en-US" altLang="zh-CN" sz="1600" dirty="0" smtClean="0"/>
+          </a:p>
+          <a:p>
+            <a:pPr marL="285750" indent="-285750">
+              <a:buFont typeface="Wingdings" panose="05000000000000000000" pitchFamily="2" charset="2"/>
+              <a:buChar char="Ø"/>
+            </a:pPr>
+            <a:endParaRPr lang="en-US" altLang="zh-CN" sz="1600" dirty="0"/>
+          </a:p>
+          <a:p>
+            <a:pPr marL="285750" indent="-285750">
+              <a:buFont typeface="Wingdings" panose="05000000000000000000" pitchFamily="2" charset="2"/>
+              <a:buChar char="Ø"/>
+            </a:pPr>
+            <a:r>
+              <a:rPr lang="zh-CN" altLang="en-US" sz="1600" dirty="0" smtClean="0"/>
+              <a:t>健康检查：服务故障后如何快速从注册中心和负载中删除，</a:t>
+            </a:r>
+            <a:r>
+              <a:rPr lang="en-US" altLang="zh-CN" sz="1600" dirty="0" smtClean="0"/>
+              <a:t>health-check</a:t>
+            </a:r>
+            <a:r>
+              <a:rPr lang="zh-CN" altLang="en-US" sz="1600" dirty="0" smtClean="0"/>
+              <a:t>、</a:t>
+            </a:r>
+            <a:r>
+              <a:rPr lang="en-US" altLang="zh-CN" sz="1600" dirty="0" err="1" smtClean="0"/>
+              <a:t>keepalive</a:t>
+            </a:r>
+            <a:endParaRPr lang="en-US" altLang="zh-CN" sz="1600" dirty="0"/>
+          </a:p>
+          <a:p>
+            <a:endParaRPr lang="en-US" altLang="zh-CN" sz="1600" dirty="0"/>
+          </a:p>
+          <a:p>
+            <a:pPr marL="285750" indent="-285750">
+              <a:buFont typeface="Wingdings" panose="05000000000000000000" pitchFamily="2" charset="2"/>
+              <a:buChar char="Ø"/>
+            </a:pPr>
+            <a:r>
+              <a:rPr lang="zh-CN" altLang="en-US" sz="1600" dirty="0" smtClean="0"/>
+              <a:t>服务监控：如何向外吐</a:t>
+            </a:r>
+            <a:r>
+              <a:rPr lang="en-US" altLang="zh-CN" sz="1600" dirty="0" smtClean="0"/>
+              <a:t>metric</a:t>
+            </a:r>
+            <a:r>
+              <a:rPr lang="zh-CN" altLang="en-US" sz="1600" dirty="0" smtClean="0"/>
+              <a:t>数据，</a:t>
+            </a:r>
+            <a:r>
+              <a:rPr lang="en-US" altLang="zh-CN" sz="1600" dirty="0" err="1" smtClean="0"/>
+              <a:t>zabbix</a:t>
+            </a:r>
+            <a:r>
+              <a:rPr lang="zh-CN" altLang="en-US" sz="1600" dirty="0" smtClean="0"/>
+              <a:t>、</a:t>
+            </a:r>
+            <a:r>
+              <a:rPr lang="en-US" altLang="zh-CN" sz="1600" dirty="0" err="1" smtClean="0"/>
+              <a:t>logstash</a:t>
+            </a:r>
+            <a:r>
+              <a:rPr lang="zh-CN" altLang="en-US" sz="1600" dirty="0" smtClean="0"/>
+              <a:t>、</a:t>
+            </a:r>
+            <a:r>
+              <a:rPr lang="en-US" altLang="zh-CN" sz="1600" dirty="0" smtClean="0"/>
+              <a:t>servo(</a:t>
+            </a:r>
+            <a:r>
+              <a:rPr lang="en-US" altLang="zh-CN" sz="1600" dirty="0" err="1"/>
+              <a:t>netflix</a:t>
+            </a:r>
+            <a:r>
+              <a:rPr lang="en-US" altLang="zh-CN" sz="1600" dirty="0" smtClean="0"/>
+              <a:t>)</a:t>
+            </a:r>
+            <a:r>
+              <a:rPr lang="zh-CN" altLang="en-US" sz="1600" dirty="0" smtClean="0"/>
+              <a:t>、服务自己的</a:t>
+            </a:r>
+            <a:r>
+              <a:rPr lang="en-US" altLang="zh-CN" sz="1600" dirty="0" smtClean="0"/>
+              <a:t>metrics</a:t>
+            </a:r>
+          </a:p>
+          <a:p>
+            <a:endParaRPr lang="en-US" altLang="zh-CN" sz="1600" dirty="0"/>
+          </a:p>
+          <a:p>
+            <a:pPr marL="285750" indent="-285750">
+              <a:buFont typeface="Wingdings" panose="05000000000000000000" pitchFamily="2" charset="2"/>
+              <a:buChar char="Ø"/>
+            </a:pPr>
+            <a:r>
+              <a:rPr lang="zh-CN" altLang="en-US" sz="1600" dirty="0" smtClean="0"/>
+              <a:t>整体可测试性：单个服务测试很容易，但是整个系统测试一遍就非常复杂，如何使用</a:t>
+            </a:r>
+            <a:r>
+              <a:rPr lang="en-US" altLang="zh-CN" sz="1600" dirty="0" err="1" smtClean="0"/>
+              <a:t>docker</a:t>
+            </a:r>
+            <a:r>
+              <a:rPr lang="zh-CN" altLang="en-US" sz="1600" dirty="0" smtClean="0"/>
+              <a:t>简化整体的可测试性</a:t>
+            </a:r>
+            <a:endParaRPr lang="en-US" altLang="zh-CN" sz="1600" dirty="0" smtClean="0"/>
+          </a:p>
+          <a:p>
+            <a:endParaRPr lang="en-US" altLang="zh-CN" sz="1600" dirty="0"/>
+          </a:p>
+          <a:p>
+            <a:pPr marL="285750" indent="-285750">
+              <a:buFont typeface="Wingdings" panose="05000000000000000000" pitchFamily="2" charset="2"/>
+              <a:buChar char="Ø"/>
+            </a:pPr>
+            <a:r>
+              <a:rPr lang="zh-CN" altLang="en-US" sz="1600" dirty="0" smtClean="0"/>
+              <a:t>配置中心：运行期修改服务的配置，</a:t>
+            </a:r>
+            <a:r>
+              <a:rPr lang="en-US" altLang="zh-CN" sz="1600" dirty="0" err="1" smtClean="0"/>
+              <a:t>archaius</a:t>
+            </a:r>
+            <a:r>
+              <a:rPr lang="en-US" altLang="zh-CN" sz="1600" dirty="0" smtClean="0"/>
+              <a:t>(</a:t>
+            </a:r>
+            <a:r>
+              <a:rPr lang="en-US" altLang="zh-CN" sz="1600" dirty="0" err="1" smtClean="0"/>
+              <a:t>netflix</a:t>
+            </a:r>
+            <a:r>
+              <a:rPr lang="en-US" altLang="zh-CN" sz="1600" dirty="0" smtClean="0"/>
+              <a:t>)</a:t>
+            </a:r>
+            <a:r>
+              <a:rPr lang="zh-CN" altLang="en-US" sz="1600" dirty="0" smtClean="0"/>
+              <a:t>、</a:t>
+            </a:r>
+            <a:r>
+              <a:rPr lang="en-US" altLang="zh-CN" sz="1600" dirty="0" err="1" smtClean="0"/>
+              <a:t>dubbo</a:t>
+            </a:r>
+            <a:r>
+              <a:rPr lang="en-US" altLang="zh-CN" sz="1600" dirty="0" smtClean="0"/>
+              <a:t>(</a:t>
+            </a:r>
+            <a:r>
+              <a:rPr lang="en-US" altLang="zh-CN" sz="1600" dirty="0" err="1" smtClean="0"/>
+              <a:t>alibaba</a:t>
+            </a:r>
+            <a:r>
+              <a:rPr lang="en-US" altLang="zh-CN" sz="1600" dirty="0" smtClean="0"/>
+              <a:t>)</a:t>
+            </a:r>
+          </a:p>
+          <a:p>
+            <a:endParaRPr lang="en-US" altLang="zh-CN" sz="1600" dirty="0"/>
+          </a:p>
+          <a:p>
+            <a:pPr marL="285750" indent="-285750">
+              <a:buFont typeface="Wingdings" panose="05000000000000000000" pitchFamily="2" charset="2"/>
+              <a:buChar char="Ø"/>
+            </a:pPr>
+            <a:r>
+              <a:rPr lang="zh-CN" altLang="en-US" sz="1600" dirty="0" smtClean="0"/>
+              <a:t>服务限流和容错：这个可以自己根据服务的能力自我限流或者整流</a:t>
+            </a:r>
+            <a:endParaRPr lang="en-US" altLang="zh-CN" sz="1600" dirty="0" smtClean="0"/>
+          </a:p>
+          <a:p>
+            <a:endParaRPr lang="en-US" altLang="zh-CN" sz="1600" dirty="0"/>
+          </a:p>
+          <a:p>
+            <a:pPr marL="285750" indent="-285750">
+              <a:buFont typeface="Wingdings" panose="05000000000000000000" pitchFamily="2" charset="2"/>
+              <a:buChar char="Ø"/>
+            </a:pPr>
+            <a:r>
+              <a:rPr lang="zh-CN" altLang="en-US" sz="1600" dirty="0" smtClean="0"/>
+              <a:t>事务一致性：每一个操作可能涉及到多</a:t>
+            </a:r>
+            <a:r>
+              <a:rPr lang="zh-CN" altLang="en-US" sz="1600" dirty="0" smtClean="0"/>
+              <a:t>个</a:t>
+            </a:r>
+            <a:r>
+              <a:rPr lang="en-US" altLang="zh-CN" sz="1600" dirty="0" err="1" smtClean="0"/>
+              <a:t>api</a:t>
+            </a:r>
+            <a:r>
+              <a:rPr lang="zh-CN" altLang="en-US" sz="1600" dirty="0" smtClean="0"/>
+              <a:t>调用，如果保证</a:t>
+            </a:r>
+            <a:r>
+              <a:rPr lang="en-US" altLang="zh-CN" sz="1600" dirty="0" err="1" smtClean="0"/>
+              <a:t>api</a:t>
+            </a:r>
+            <a:r>
+              <a:rPr lang="zh-CN" altLang="en-US" sz="1600" dirty="0" smtClean="0"/>
+              <a:t>的调用之间的数据一致性。</a:t>
+            </a:r>
+            <a:endParaRPr lang="en-US" altLang="zh-CN" sz="1600" dirty="0" smtClean="0"/>
+          </a:p>
+        </p:txBody>
+      </p:sp>
+    </p:spTree>
+    <p:extLst>
+      <p:ext uri="{BB962C8B-B14F-4D97-AF65-F5344CB8AC3E}">
+        <p14:creationId xmlns:p14="http://schemas.microsoft.com/office/powerpoint/2010/main" val="3023332843"/>
+      </p:ext>
+    </p:extLst>
+  </p:cSld>
+  <p:clrMapOvr>
+    <a:masterClrMapping/>
+  </p:clrMapOvr>
+</p:sld>
+</file>
+
 <file path=ppt/slides/slide2.xml><?xml version="1.0" encoding="utf-8"?>
 <p:sld xmlns:a="http://schemas.openxmlformats.org/drawingml/2006/main" xmlns:r="http://schemas.openxmlformats.org/officeDocument/2006/relationships" xmlns:p="http://schemas.openxmlformats.org/presentationml/2006/main">
   <p:cSld>
@@ -3140,8 +4577,54 @@
         </p:nvSpPr>
         <p:spPr>
           <a:xfrm>
-            <a:off x="827584" y="692696"/>
-            <a:ext cx="7488832" cy="6186309"/>
+            <a:off x="1475656" y="1412776"/>
+            <a:ext cx="4104456" cy="369332"/>
+          </a:xfrm>
+          <a:prstGeom prst="rect">
+            <a:avLst/>
+          </a:prstGeom>
+        </p:spPr>
+        <p:style>
+          <a:lnRef idx="0">
+            <a:schemeClr val="accent2"/>
+          </a:lnRef>
+          <a:fillRef idx="3">
+            <a:schemeClr val="accent2"/>
+          </a:fillRef>
+          <a:effectRef idx="3">
+            <a:schemeClr val="accent2"/>
+          </a:effectRef>
+          <a:fontRef idx="minor">
+            <a:schemeClr val="lt1"/>
+          </a:fontRef>
+        </p:style>
+        <p:txBody>
+          <a:bodyPr wrap="square" rtlCol="0">
+            <a:spAutoFit/>
+          </a:bodyPr>
+          <a:lstStyle/>
+          <a:p>
+            <a:pPr marL="285750" indent="-285750">
+              <a:buFont typeface="Wingdings" panose="05000000000000000000" pitchFamily="2" charset="2"/>
+              <a:buChar char="u"/>
+            </a:pPr>
+            <a:r>
+              <a:rPr lang="zh-CN" altLang="en-US" dirty="0"/>
+              <a:t>引言</a:t>
+            </a:r>
+          </a:p>
+        </p:txBody>
+      </p:sp>
+      <p:sp>
+        <p:nvSpPr>
+          <p:cNvPr id="5" name="TextBox 4"/>
+          <p:cNvSpPr txBox="1"/>
+          <p:nvPr/>
+        </p:nvSpPr>
+        <p:spPr>
+          <a:xfrm>
+            <a:off x="1494792" y="2060848"/>
+            <a:ext cx="4104456" cy="369332"/>
           </a:xfrm>
           <a:prstGeom prst="rect">
             <a:avLst/>
@@ -3154,192 +4637,94 @@
           </a:bodyPr>
           <a:lstStyle/>
           <a:p>
-            <a:r>
-              <a:rPr lang="en-US" altLang="zh-CN" dirty="0" smtClean="0"/>
-              <a:t>1</a:t>
-            </a:r>
+            <a:pPr marL="285750" indent="-285750">
+              <a:buFont typeface="Wingdings" panose="05000000000000000000" pitchFamily="2" charset="2"/>
+              <a:buChar char="u"/>
+            </a:pPr>
             <a:r>
               <a:rPr lang="zh-CN" altLang="en-US" dirty="0" smtClean="0"/>
-              <a:t>、项目组新招了一个</a:t>
-            </a:r>
-            <a:r>
-              <a:rPr lang="en-US" altLang="zh-CN" dirty="0" smtClean="0"/>
-              <a:t>java</a:t>
-            </a:r>
+              <a:t>什么是微服务架构</a:t>
+            </a:r>
+            <a:endParaRPr lang="zh-CN" altLang="en-US" dirty="0"/>
+          </a:p>
+        </p:txBody>
+      </p:sp>
+      <p:sp>
+        <p:nvSpPr>
+          <p:cNvPr id="6" name="TextBox 5"/>
+          <p:cNvSpPr txBox="1"/>
+          <p:nvPr/>
+        </p:nvSpPr>
+        <p:spPr>
+          <a:xfrm>
+            <a:off x="1494792" y="2783487"/>
+            <a:ext cx="4104456" cy="369332"/>
+          </a:xfrm>
+          <a:prstGeom prst="rect">
+            <a:avLst/>
+          </a:prstGeom>
+          <a:noFill/>
+        </p:spPr>
+        <p:txBody>
+          <a:bodyPr wrap="square" rtlCol="0">
+            <a:spAutoFit/>
+          </a:bodyPr>
+          <a:lstStyle/>
+          <a:p>
+            <a:pPr marL="285750" indent="-285750">
+              <a:buFont typeface="Wingdings" panose="05000000000000000000" pitchFamily="2" charset="2"/>
+              <a:buChar char="u"/>
+            </a:pPr>
             <a:r>
               <a:rPr lang="zh-CN" altLang="en-US" dirty="0" smtClean="0"/>
-              <a:t>工程师，但是过了</a:t>
-            </a:r>
-            <a:r>
-              <a:rPr lang="en-US" altLang="zh-CN" dirty="0" smtClean="0"/>
-              <a:t>1</a:t>
+              <a:t>为什么要用微服务架构</a:t>
+            </a:r>
+            <a:endParaRPr lang="zh-CN" altLang="en-US" dirty="0"/>
+          </a:p>
+        </p:txBody>
+      </p:sp>
+      <p:sp>
+        <p:nvSpPr>
+          <p:cNvPr id="7" name="TextBox 6"/>
+          <p:cNvSpPr txBox="1"/>
+          <p:nvPr/>
+        </p:nvSpPr>
+        <p:spPr>
+          <a:xfrm>
+            <a:off x="1511261" y="3573016"/>
+            <a:ext cx="4104456" cy="369332"/>
+          </a:xfrm>
+          <a:prstGeom prst="rect">
+            <a:avLst/>
+          </a:prstGeom>
+          <a:noFill/>
+        </p:spPr>
+        <p:txBody>
+          <a:bodyPr wrap="square" rtlCol="0">
+            <a:spAutoFit/>
+          </a:bodyPr>
+          <a:lstStyle/>
+          <a:p>
+            <a:pPr marL="285750" indent="-285750">
+              <a:buFont typeface="Wingdings" panose="05000000000000000000" pitchFamily="2" charset="2"/>
+              <a:buChar char="u"/>
+            </a:pPr>
+            <a:r>
+              <a:rPr lang="zh-CN" altLang="en-US" dirty="0"/>
+              <a:t>实施</a:t>
             </a:r>
             <a:r>
               <a:rPr lang="zh-CN" altLang="en-US" dirty="0" smtClean="0"/>
-              <a:t>个月，他还没有接手项目工作，因为应用太大，他迷失了。</a:t>
-            </a:r>
-            <a:endParaRPr lang="en-US" altLang="zh-CN" dirty="0" smtClean="0"/>
-          </a:p>
-          <a:p>
-            <a:endParaRPr lang="en-US" altLang="zh-CN" dirty="0"/>
-          </a:p>
-          <a:p>
-            <a:r>
-              <a:rPr lang="en-US" altLang="zh-CN" dirty="0" smtClean="0"/>
-              <a:t>2</a:t>
-            </a:r>
-            <a:r>
-              <a:rPr lang="zh-CN" altLang="en-US" dirty="0" smtClean="0"/>
-              <a:t>、应用臃肿不堪，导入</a:t>
-            </a:r>
-            <a:r>
-              <a:rPr lang="en-US" altLang="zh-CN" dirty="0" smtClean="0"/>
-              <a:t>Eclipse</a:t>
-            </a:r>
-            <a:r>
-              <a:rPr lang="zh-CN" altLang="en-US" dirty="0" smtClean="0"/>
-              <a:t>太慢了，编译半天，而且</a:t>
-            </a:r>
-            <a:r>
-              <a:rPr lang="en-US" altLang="zh-CN" dirty="0" smtClean="0"/>
-              <a:t>Eclipse</a:t>
-            </a:r>
-            <a:r>
-              <a:rPr lang="zh-CN" altLang="en-US" dirty="0" smtClean="0"/>
-              <a:t>越跑越慢</a:t>
-            </a:r>
-            <a:endParaRPr lang="en-US" altLang="zh-CN" dirty="0" smtClean="0"/>
-          </a:p>
-          <a:p>
-            <a:endParaRPr lang="en-US" altLang="zh-CN" dirty="0"/>
-          </a:p>
-          <a:p>
-            <a:r>
-              <a:rPr lang="en-US" altLang="zh-CN" dirty="0" smtClean="0"/>
-              <a:t>3</a:t>
-            </a:r>
-            <a:r>
-              <a:rPr lang="zh-CN" altLang="en-US" dirty="0" smtClean="0"/>
-              <a:t>、</a:t>
-            </a:r>
-            <a:r>
-              <a:rPr lang="en-US" altLang="zh-CN" dirty="0" smtClean="0"/>
-              <a:t>tomcat</a:t>
-            </a:r>
-            <a:r>
-              <a:rPr lang="zh-CN" altLang="en-US" dirty="0" smtClean="0"/>
-              <a:t>压力太大，分配几个</a:t>
-            </a:r>
-            <a:r>
-              <a:rPr lang="en-US" altLang="zh-CN" dirty="0" smtClean="0"/>
-              <a:t>G</a:t>
-            </a:r>
-            <a:r>
-              <a:rPr lang="zh-CN" altLang="en-US" dirty="0" smtClean="0"/>
-              <a:t>的内存呢？分配大了会不会增加</a:t>
-            </a:r>
-            <a:r>
-              <a:rPr lang="en-US" altLang="zh-CN" dirty="0" smtClean="0"/>
-              <a:t>GC</a:t>
-            </a:r>
-            <a:r>
-              <a:rPr lang="zh-CN" altLang="en-US" dirty="0" smtClean="0"/>
-              <a:t>的压力呢？</a:t>
-            </a:r>
-            <a:endParaRPr lang="en-US" altLang="zh-CN" dirty="0" smtClean="0"/>
-          </a:p>
-          <a:p>
-            <a:endParaRPr lang="en-US" altLang="zh-CN" dirty="0"/>
-          </a:p>
-          <a:p>
-            <a:r>
-              <a:rPr lang="en-US" altLang="zh-CN" dirty="0" smtClean="0"/>
-              <a:t>4</a:t>
-            </a:r>
-            <a:r>
-              <a:rPr lang="zh-CN" altLang="en-US" dirty="0" smtClean="0"/>
-              <a:t>、根本无法持续部署，每次更新就是噩梦，只能凌晨升级，即使是一丁点的改动也要暂停全部应用</a:t>
-            </a:r>
-            <a:endParaRPr lang="en-US" altLang="zh-CN" dirty="0" smtClean="0"/>
-          </a:p>
-          <a:p>
-            <a:endParaRPr lang="en-US" altLang="zh-CN" dirty="0"/>
-          </a:p>
-          <a:p>
-            <a:r>
-              <a:rPr lang="en-US" altLang="zh-CN" dirty="0" smtClean="0"/>
-              <a:t>5</a:t>
-            </a:r>
-            <a:r>
-              <a:rPr lang="zh-CN" altLang="en-US" dirty="0" smtClean="0"/>
-              <a:t>、应用慢了，怎么办？升级主机规格？多部署几台主机，做负载？可是明明只是账户中心处理不过来，而要拉着订单服务一起部署。</a:t>
-            </a:r>
-            <a:endParaRPr lang="en-US" altLang="zh-CN" dirty="0" smtClean="0"/>
-          </a:p>
-          <a:p>
-            <a:endParaRPr lang="en-US" altLang="zh-CN" dirty="0"/>
-          </a:p>
-          <a:p>
-            <a:r>
-              <a:rPr lang="en-US" altLang="zh-CN" dirty="0" smtClean="0"/>
-              <a:t>6</a:t>
-            </a:r>
-            <a:r>
-              <a:rPr lang="zh-CN" altLang="en-US" dirty="0" smtClean="0"/>
-              <a:t>、项目组大了，现在按业务分了</a:t>
-            </a:r>
-            <a:r>
-              <a:rPr lang="en-US" altLang="zh-CN" dirty="0" smtClean="0"/>
-              <a:t>UI</a:t>
-            </a:r>
-            <a:r>
-              <a:rPr lang="zh-CN" altLang="en-US" dirty="0" smtClean="0"/>
-              <a:t>组、账户组、投资管理组、订单组，可是即使这么分了，各个组的职责界限还是不明确，还是需要不停的支撑其他组的开发。</a:t>
-            </a:r>
-            <a:endParaRPr lang="en-US" altLang="zh-CN" dirty="0" smtClean="0"/>
-          </a:p>
-          <a:p>
-            <a:endParaRPr lang="en-US" altLang="zh-CN" dirty="0"/>
-          </a:p>
-          <a:p>
-            <a:r>
-              <a:rPr lang="en-US" altLang="zh-CN" dirty="0" smtClean="0"/>
-              <a:t>7</a:t>
-            </a:r>
-            <a:r>
-              <a:rPr lang="zh-CN" altLang="en-US" dirty="0" smtClean="0"/>
-              <a:t>、项目组使用的技术框架无法升级，被绑定到了一个特定技术栈，甚至某个</a:t>
-            </a:r>
-            <a:r>
-              <a:rPr lang="en-US" altLang="zh-CN" dirty="0" smtClean="0"/>
-              <a:t>jar</a:t>
-            </a:r>
-            <a:r>
-              <a:rPr lang="zh-CN" altLang="en-US" dirty="0" smtClean="0"/>
-              <a:t>包的特定版本</a:t>
-            </a:r>
-            <a:endParaRPr lang="en-US" altLang="zh-CN" dirty="0" smtClean="0"/>
-          </a:p>
-          <a:p>
-            <a:endParaRPr lang="en-US" altLang="zh-CN" dirty="0"/>
-          </a:p>
-          <a:p>
-            <a:r>
-              <a:rPr lang="en-US" altLang="zh-CN" dirty="0" smtClean="0"/>
-              <a:t>8</a:t>
-            </a:r>
-            <a:r>
-              <a:rPr lang="zh-CN" altLang="en-US" dirty="0" smtClean="0"/>
-              <a:t>、。。。</a:t>
-            </a:r>
-            <a:endParaRPr lang="en-US" altLang="zh-CN" dirty="0" smtClean="0"/>
+              <a:t>微服务架构有哪些挑战</a:t>
+            </a:r>
+            <a:endParaRPr lang="zh-CN" altLang="en-US" dirty="0"/>
           </a:p>
         </p:txBody>
       </p:sp>
     </p:spTree>
     <p:extLst>
       <p:ext uri="{BB962C8B-B14F-4D97-AF65-F5344CB8AC3E}">
-        <p14:creationId xmlns:p14="http://schemas.microsoft.com/office/powerpoint/2010/main" val="857929776"/>
+        <p14:creationId xmlns:p14="http://schemas.microsoft.com/office/powerpoint/2010/main" val="463241562"/>
       </p:ext>
     </p:extLst>
   </p:cSld>
@@ -3374,8 +4759,8 @@
         </p:nvSpPr>
         <p:spPr>
           <a:xfrm>
-            <a:off x="1763688" y="1196752"/>
-            <a:ext cx="5832648" cy="369332"/>
+            <a:off x="827584" y="692696"/>
+            <a:ext cx="7488832" cy="5078313"/>
           </a:xfrm>
           <a:prstGeom prst="rect">
             <a:avLst/>
@@ -3388,48 +4773,166 @@
           </a:bodyPr>
           <a:lstStyle/>
           <a:p>
+            <a:pPr marL="285750" indent="-285750">
+              <a:buFont typeface="Wingdings" panose="05000000000000000000" pitchFamily="2" charset="2"/>
+              <a:buChar char="Ø"/>
+            </a:pPr>
             <a:r>
               <a:rPr lang="zh-CN" altLang="en-US" dirty="0" smtClean="0"/>
-              <a:t>如果你很郁闷遇到了上述问题，并且还没有解决办法</a:t>
-            </a:r>
-            <a:endParaRPr lang="zh-CN" altLang="en-US" dirty="0"/>
-          </a:p>
-        </p:txBody>
-      </p:sp>
-      <p:sp>
-        <p:nvSpPr>
-          <p:cNvPr id="5" name="TextBox 4"/>
-          <p:cNvSpPr txBox="1"/>
-          <p:nvPr/>
-        </p:nvSpPr>
-        <p:spPr>
-          <a:xfrm>
-            <a:off x="2555776" y="2708920"/>
-            <a:ext cx="2952328" cy="369332"/>
-          </a:xfrm>
-          <a:prstGeom prst="rect">
-            <a:avLst/>
-          </a:prstGeom>
-          <a:noFill/>
-        </p:spPr>
-        <p:txBody>
-          <a:bodyPr wrap="square" rtlCol="0">
-            <a:spAutoFit/>
-          </a:bodyPr>
-          <a:lstStyle/>
-          <a:p>
+              <a:t>项目组新招了一个</a:t>
+            </a:r>
+            <a:r>
+              <a:rPr lang="en-US" altLang="zh-CN" dirty="0" smtClean="0"/>
+              <a:t>java</a:t>
+            </a:r>
             <a:r>
               <a:rPr lang="zh-CN" altLang="en-US" dirty="0" smtClean="0"/>
-              <a:t>那么，尝试下微服务架构吧！</a:t>
-            </a:r>
-            <a:endParaRPr lang="zh-CN" altLang="en-US" dirty="0"/>
+              <a:t>工程师，但是过了</a:t>
+            </a:r>
+            <a:r>
+              <a:rPr lang="en-US" altLang="zh-CN" dirty="0" smtClean="0"/>
+              <a:t>1</a:t>
+            </a:r>
+            <a:r>
+              <a:rPr lang="zh-CN" altLang="en-US" dirty="0" smtClean="0"/>
+              <a:t>个月，他还没有接手项目工作，因为应用太大，他迷失了。</a:t>
+            </a:r>
+            <a:endParaRPr lang="en-US" altLang="zh-CN" dirty="0" smtClean="0"/>
+          </a:p>
+          <a:p>
+            <a:endParaRPr lang="en-US" altLang="zh-CN" dirty="0"/>
+          </a:p>
+          <a:p>
+            <a:pPr marL="285750" indent="-285750">
+              <a:buFont typeface="Wingdings" panose="05000000000000000000" pitchFamily="2" charset="2"/>
+              <a:buChar char="Ø"/>
+            </a:pPr>
+            <a:r>
+              <a:rPr lang="zh-CN" altLang="en-US" dirty="0" smtClean="0"/>
+              <a:t>应用臃肿不堪，导入</a:t>
+            </a:r>
+            <a:r>
+              <a:rPr lang="en-US" altLang="zh-CN" dirty="0" smtClean="0"/>
+              <a:t>Eclipse</a:t>
+            </a:r>
+            <a:r>
+              <a:rPr lang="zh-CN" altLang="en-US" dirty="0" smtClean="0"/>
+              <a:t>太慢了，编译半天，而且</a:t>
+            </a:r>
+            <a:r>
+              <a:rPr lang="en-US" altLang="zh-CN" dirty="0" smtClean="0"/>
+              <a:t>Eclipse</a:t>
+            </a:r>
+            <a:r>
+              <a:rPr lang="zh-CN" altLang="en-US" dirty="0" smtClean="0"/>
+              <a:t>越跑越慢</a:t>
+            </a:r>
+            <a:endParaRPr lang="en-US" altLang="zh-CN" dirty="0" smtClean="0"/>
+          </a:p>
+          <a:p>
+            <a:endParaRPr lang="en-US" altLang="zh-CN" dirty="0"/>
+          </a:p>
+          <a:p>
+            <a:pPr marL="285750" indent="-285750">
+              <a:buFont typeface="Wingdings" panose="05000000000000000000" pitchFamily="2" charset="2"/>
+              <a:buChar char="Ø"/>
+            </a:pPr>
+            <a:r>
+              <a:rPr lang="en-US" altLang="zh-CN" dirty="0" smtClean="0"/>
+              <a:t>tomcat</a:t>
+            </a:r>
+            <a:r>
+              <a:rPr lang="zh-CN" altLang="en-US" dirty="0" smtClean="0"/>
+              <a:t>压力太大，分配几个</a:t>
+            </a:r>
+            <a:r>
+              <a:rPr lang="en-US" altLang="zh-CN" dirty="0" smtClean="0"/>
+              <a:t>G</a:t>
+            </a:r>
+            <a:r>
+              <a:rPr lang="zh-CN" altLang="en-US" dirty="0" smtClean="0"/>
+              <a:t>的内存呢？分配大了会不会增加</a:t>
+            </a:r>
+            <a:r>
+              <a:rPr lang="en-US" altLang="zh-CN" dirty="0" smtClean="0"/>
+              <a:t>GC</a:t>
+            </a:r>
+            <a:r>
+              <a:rPr lang="zh-CN" altLang="en-US" dirty="0" smtClean="0"/>
+              <a:t>的压力呢？</a:t>
+            </a:r>
+            <a:endParaRPr lang="en-US" altLang="zh-CN" dirty="0" smtClean="0"/>
+          </a:p>
+          <a:p>
+            <a:endParaRPr lang="en-US" altLang="zh-CN" dirty="0"/>
+          </a:p>
+          <a:p>
+            <a:pPr marL="285750" indent="-285750">
+              <a:buFont typeface="Wingdings" panose="05000000000000000000" pitchFamily="2" charset="2"/>
+              <a:buChar char="Ø"/>
+            </a:pPr>
+            <a:r>
+              <a:rPr lang="zh-CN" altLang="en-US" dirty="0" smtClean="0"/>
+              <a:t>根本无法持续部署，每次更新就是噩梦，只能凌晨升级，即使是一丁点的改动也要暂停全部应用</a:t>
+            </a:r>
+            <a:endParaRPr lang="en-US" altLang="zh-CN" dirty="0" smtClean="0"/>
+          </a:p>
+          <a:p>
+            <a:endParaRPr lang="en-US" altLang="zh-CN" dirty="0"/>
+          </a:p>
+          <a:p>
+            <a:pPr marL="285750" indent="-285750">
+              <a:buFont typeface="Wingdings" panose="05000000000000000000" pitchFamily="2" charset="2"/>
+              <a:buChar char="Ø"/>
+            </a:pPr>
+            <a:r>
+              <a:rPr lang="zh-CN" altLang="en-US" dirty="0" smtClean="0"/>
+              <a:t>应用慢了，怎么办？升级主机规格？多部署几台主机，做负载？可是明明只是账户中心处理不过来，而要拉着订单服务一起部署。</a:t>
+            </a:r>
+            <a:endParaRPr lang="en-US" altLang="zh-CN" dirty="0" smtClean="0"/>
+          </a:p>
+          <a:p>
+            <a:endParaRPr lang="en-US" altLang="zh-CN" dirty="0"/>
+          </a:p>
+          <a:p>
+            <a:pPr marL="285750" indent="-285750">
+              <a:buFont typeface="Wingdings" panose="05000000000000000000" pitchFamily="2" charset="2"/>
+              <a:buChar char="Ø"/>
+            </a:pPr>
+            <a:r>
+              <a:rPr lang="zh-CN" altLang="en-US" dirty="0" smtClean="0"/>
+              <a:t>项目组使用的技术框架无法升级，被绑定到了一个特定技术栈，甚至某个</a:t>
+            </a:r>
+            <a:r>
+              <a:rPr lang="en-US" altLang="zh-CN" dirty="0" smtClean="0"/>
+              <a:t>jar</a:t>
+            </a:r>
+            <a:r>
+              <a:rPr lang="zh-CN" altLang="en-US" dirty="0" smtClean="0"/>
+              <a:t>包的特定版本</a:t>
+            </a:r>
+            <a:endParaRPr lang="en-US" altLang="zh-CN" dirty="0" smtClean="0"/>
+          </a:p>
+          <a:p>
+            <a:endParaRPr lang="en-US" altLang="zh-CN" dirty="0"/>
+          </a:p>
+          <a:p>
+            <a:pPr marL="285750" indent="-285750">
+              <a:buFont typeface="Wingdings" panose="05000000000000000000" pitchFamily="2" charset="2"/>
+              <a:buChar char="Ø"/>
+            </a:pPr>
+            <a:r>
+              <a:rPr lang="zh-CN" altLang="en-US" dirty="0" smtClean="0"/>
+              <a:t>。。。</a:t>
+            </a:r>
+            <a:endParaRPr lang="en-US" altLang="zh-CN" dirty="0" smtClean="0"/>
           </a:p>
         </p:txBody>
       </p:sp>
     </p:spTree>
     <p:extLst>
       <p:ext uri="{BB962C8B-B14F-4D97-AF65-F5344CB8AC3E}">
-        <p14:creationId xmlns:p14="http://schemas.microsoft.com/office/powerpoint/2010/main" val="3085602239"/>
+        <p14:creationId xmlns:p14="http://schemas.microsoft.com/office/powerpoint/2010/main" val="857929776"/>
       </p:ext>
     </p:extLst>
   </p:cSld>
@@ -3458,14 +4961,14 @@
       </p:grpSpPr>
       <p:sp>
         <p:nvSpPr>
-          <p:cNvPr id="4" name="TextBox 3"/>
-          <p:cNvSpPr txBox="1"/>
+          <p:cNvPr id="3" name="矩形 2"/>
+          <p:cNvSpPr/>
           <p:nvPr/>
         </p:nvSpPr>
         <p:spPr>
           <a:xfrm>
-            <a:off x="683568" y="1412776"/>
-            <a:ext cx="7776864" cy="2585323"/>
+            <a:off x="2427022" y="2967335"/>
+            <a:ext cx="4289957" cy="461665"/>
           </a:xfrm>
           <a:prstGeom prst="rect">
             <a:avLst/>
@@ -3473,73 +4976,94 @@
           <a:noFill/>
         </p:spPr>
         <p:txBody>
-          <a:bodyPr wrap="square" rtlCol="0">
+          <a:bodyPr wrap="none" lIns="91440" tIns="45720" rIns="91440" bIns="45720">
             <a:spAutoFit/>
+            <a:scene3d>
+              <a:camera prst="orthographicFront"/>
+              <a:lightRig rig="soft" dir="tl">
+                <a:rot lat="0" lon="0" rev="0"/>
+              </a:lightRig>
+            </a:scene3d>
+            <a:sp3d contourW="25400" prstMaterial="matte">
+              <a:bevelT w="25400" h="55880" prst="artDeco"/>
+              <a:contourClr>
+                <a:schemeClr val="accent2">
+                  <a:tint val="20000"/>
+                </a:schemeClr>
+              </a:contourClr>
+            </a:sp3d>
           </a:bodyPr>
           <a:lstStyle/>
           <a:p>
-            <a:r>
-              <a:rPr lang="zh-CN" altLang="en-US" dirty="0" smtClean="0"/>
-              <a:t>那什么是微服务架构呢？</a:t>
-            </a:r>
-            <a:endParaRPr lang="en-US" altLang="zh-CN" dirty="0" smtClean="0"/>
-          </a:p>
-          <a:p>
-            <a:endParaRPr lang="en-US" altLang="zh-CN" dirty="0" smtClean="0"/>
-          </a:p>
-          <a:p>
-            <a:r>
-              <a:rPr lang="zh-CN" altLang="en-US" dirty="0" smtClean="0"/>
-              <a:t>首先，微服务架构只是另外一个新鲜华丽的辞藻而已，他的前世今生有：</a:t>
-            </a:r>
-            <a:r>
-              <a:rPr lang="en-US" altLang="zh-CN" dirty="0" smtClean="0"/>
-              <a:t>SOA</a:t>
-            </a:r>
-            <a:r>
-              <a:rPr lang="zh-CN" altLang="en-US" dirty="0" smtClean="0"/>
-              <a:t>、分布式、集群等等</a:t>
-            </a:r>
-            <a:endParaRPr lang="en-US" altLang="zh-CN" dirty="0"/>
-          </a:p>
-          <a:p>
-            <a:endParaRPr lang="en-US" altLang="zh-CN" dirty="0"/>
-          </a:p>
-          <a:p>
-            <a:r>
-              <a:rPr lang="zh-CN" altLang="en-US" dirty="0" smtClean="0"/>
-              <a:t>微服务架构：将一个大的应用按业务分拆成一系列服务，各个服务运行在自己的独立进程中或者独立的</a:t>
-            </a:r>
-            <a:r>
-              <a:rPr lang="en-US" altLang="zh-CN" dirty="0" smtClean="0"/>
-              <a:t>VM</a:t>
-            </a:r>
-            <a:r>
-              <a:rPr lang="zh-CN" altLang="en-US" dirty="0" smtClean="0"/>
-              <a:t>中，通过轻量级的协议通信，最常见的就是</a:t>
-            </a:r>
-            <a:r>
-              <a:rPr lang="en-US" altLang="zh-CN" dirty="0" smtClean="0"/>
-              <a:t>HTTP REST API</a:t>
-            </a:r>
-            <a:r>
-              <a:rPr lang="zh-CN" altLang="en-US" dirty="0" smtClean="0"/>
-              <a:t>。每个业务进程独立部署、独立运行、并可用不同的语言实现，每个服务甚至可以自带数据库。</a:t>
-            </a:r>
-            <a:endParaRPr lang="zh-CN" altLang="en-US" dirty="0"/>
-          </a:p>
-        </p:txBody>
-      </p:sp>
-      <p:sp>
-        <p:nvSpPr>
-          <p:cNvPr id="6" name="TextBox 5"/>
-          <p:cNvSpPr txBox="1"/>
+            <a:pPr algn="ctr"/>
+            <a:r>
+              <a:rPr lang="zh-CN" altLang="en-US" sz="2400" b="1" cap="none" spc="50" dirty="0" smtClean="0">
+                <a:ln w="11430"/>
+                <a:gradFill>
+                  <a:gsLst>
+                    <a:gs pos="25000">
+                      <a:schemeClr val="accent2">
+                        <a:satMod val="155000"/>
+                      </a:schemeClr>
+                    </a:gs>
+                    <a:gs pos="100000">
+                      <a:schemeClr val="accent2">
+                        <a:shade val="45000"/>
+                        <a:satMod val="165000"/>
+                      </a:schemeClr>
+                    </a:gs>
+                  </a:gsLst>
+                  <a:lin ang="5400000"/>
+                </a:gradFill>
+                <a:effectLst>
+                  <a:outerShdw blurRad="76200" dist="50800" dir="5400000" algn="tl" rotWithShape="0">
+                    <a:srgbClr val="000000">
+                      <a:alpha val="65000"/>
+                    </a:srgbClr>
+                  </a:outerShdw>
+                </a:effectLst>
+              </a:rPr>
+              <a:t>那么，尝试下微服务架构吧！</a:t>
+            </a:r>
+            <a:endParaRPr lang="zh-CN" altLang="en-US" sz="2400" b="1" cap="none" spc="50" dirty="0">
+              <a:ln w="11430"/>
+              <a:gradFill>
+                <a:gsLst>
+                  <a:gs pos="25000">
+                    <a:schemeClr val="accent2">
+                      <a:satMod val="155000"/>
+                    </a:schemeClr>
+                  </a:gs>
+                  <a:gs pos="100000">
+                    <a:schemeClr val="accent2">
+                      <a:shade val="45000"/>
+                      <a:satMod val="165000"/>
+                    </a:schemeClr>
+                  </a:gs>
+                </a:gsLst>
+                <a:lin ang="5400000"/>
+              </a:gradFill>
+              <a:effectLst>
+                <a:outerShdw blurRad="76200" dist="50800" dir="5400000" algn="tl" rotWithShape="0">
+                  <a:srgbClr val="000000">
+                    <a:alpha val="65000"/>
+                  </a:srgbClr>
+                </a:outerShdw>
+              </a:effectLst>
+            </a:endParaRPr>
+          </a:p>
+        </p:txBody>
+      </p:sp>
+      <p:sp>
+        <p:nvSpPr>
+          <p:cNvPr id="6" name="矩形 5"/>
+          <p:cNvSpPr/>
           <p:nvPr/>
         </p:nvSpPr>
         <p:spPr>
           <a:xfrm>
-            <a:off x="827584" y="4581128"/>
-            <a:ext cx="4608512" cy="369332"/>
+            <a:off x="356377" y="1628800"/>
+            <a:ext cx="8480207" cy="523220"/>
           </a:xfrm>
           <a:prstGeom prst="rect">
             <a:avLst/>
@@ -3547,61 +5071,70 @@
           <a:noFill/>
         </p:spPr>
         <p:txBody>
-          <a:bodyPr wrap="square" rtlCol="0">
+          <a:bodyPr wrap="none" lIns="91440" tIns="45720" rIns="91440" bIns="45720">
             <a:spAutoFit/>
           </a:bodyPr>
           <a:lstStyle/>
           <a:p>
-            <a:r>
-              <a:rPr lang="zh-CN" altLang="en-US" dirty="0" smtClean="0"/>
-              <a:t>谁在用微服务架构？</a:t>
-            </a:r>
-            <a:endParaRPr lang="zh-CN" altLang="en-US" dirty="0"/>
-          </a:p>
-        </p:txBody>
-      </p:sp>
-      <p:sp>
-        <p:nvSpPr>
-          <p:cNvPr id="7" name="TextBox 6"/>
-          <p:cNvSpPr txBox="1"/>
-          <p:nvPr/>
-        </p:nvSpPr>
-        <p:spPr>
-          <a:xfrm>
-            <a:off x="827584" y="5373216"/>
-            <a:ext cx="7848872" cy="369332"/>
-          </a:xfrm>
-          <a:prstGeom prst="rect">
-            <a:avLst/>
-          </a:prstGeom>
-          <a:noFill/>
-        </p:spPr>
-        <p:txBody>
-          <a:bodyPr wrap="square" rtlCol="0">
-            <a:spAutoFit/>
-          </a:bodyPr>
-          <a:lstStyle/>
-          <a:p>
-            <a:r>
-              <a:rPr lang="en-US" altLang="zh-CN" dirty="0" smtClean="0"/>
-              <a:t>Netflix    Google   AWS    </a:t>
-            </a:r>
-            <a:r>
-              <a:rPr lang="en-US" altLang="zh-CN" dirty="0" err="1" smtClean="0"/>
-              <a:t>Alibaba</a:t>
-            </a:r>
-            <a:r>
-              <a:rPr lang="en-US" altLang="zh-CN" dirty="0" smtClean="0"/>
-              <a:t>  etc.</a:t>
-            </a:r>
-            <a:endParaRPr lang="zh-CN" altLang="en-US" dirty="0"/>
+            <a:pPr algn="ctr"/>
+            <a:r>
+              <a:rPr lang="zh-CN" altLang="en-US" sz="2800" b="1" cap="none" spc="0" dirty="0">
+                <a:ln w="10541" cmpd="sng">
+                  <a:solidFill>
+                    <a:srgbClr val="7D7D7D">
+                      <a:tint val="100000"/>
+                      <a:shade val="100000"/>
+                      <a:satMod val="110000"/>
+                    </a:srgbClr>
+                  </a:solidFill>
+                  <a:prstDash val="solid"/>
+                </a:ln>
+                <a:gradFill>
+                  <a:gsLst>
+                    <a:gs pos="0">
+                      <a:srgbClr val="FFFFFF">
+                        <a:tint val="40000"/>
+                        <a:satMod val="250000"/>
+                      </a:srgbClr>
+                    </a:gs>
+                    <a:gs pos="9000">
+                      <a:srgbClr val="FFFFFF">
+                        <a:tint val="52000"/>
+                        <a:satMod val="300000"/>
+                      </a:srgbClr>
+                    </a:gs>
+                    <a:gs pos="50000">
+                      <a:srgbClr val="FFFFFF">
+                        <a:shade val="20000"/>
+                        <a:satMod val="300000"/>
+                      </a:srgbClr>
+                    </a:gs>
+                    <a:gs pos="79000">
+                      <a:srgbClr val="FFFFFF">
+                        <a:tint val="52000"/>
+                        <a:satMod val="300000"/>
+                      </a:srgbClr>
+                    </a:gs>
+                    <a:gs pos="100000">
+                      <a:srgbClr val="FFFFFF">
+                        <a:tint val="40000"/>
+                        <a:satMod val="250000"/>
+                      </a:srgbClr>
+                    </a:gs>
+                  </a:gsLst>
+                  <a:lin ang="5400000"/>
+                </a:gradFill>
+                <a:effectLst/>
+              </a:rPr>
+              <a:t>如果你很郁闷遇到了上述问题，并且还没有解决办法</a:t>
+            </a:r>
           </a:p>
         </p:txBody>
       </p:sp>
     </p:spTree>
     <p:extLst>
       <p:ext uri="{BB962C8B-B14F-4D97-AF65-F5344CB8AC3E}">
-        <p14:creationId xmlns:p14="http://schemas.microsoft.com/office/powerpoint/2010/main" val="3208313009"/>
+        <p14:creationId xmlns:p14="http://schemas.microsoft.com/office/powerpoint/2010/main" val="3085602239"/>
       </p:ext>
     </p:extLst>
   </p:cSld>
@@ -3636,8 +5169,8 @@
         </p:nvSpPr>
         <p:spPr>
           <a:xfrm>
-            <a:off x="971600" y="908720"/>
-            <a:ext cx="6840760" cy="923330"/>
+            <a:off x="1475656" y="1412776"/>
+            <a:ext cx="4104456" cy="369332"/>
           </a:xfrm>
           <a:prstGeom prst="rect">
             <a:avLst/>
@@ -3648,18 +5181,127 @@
           <a:bodyPr wrap="square" rtlCol="0">
             <a:spAutoFit/>
           </a:bodyPr>
-          <a:lstStyle/>
-          <a:p>
+          <a:lstStyle>
+            <a:defPPr>
+              <a:defRPr lang="zh-CN"/>
+            </a:defPPr>
+            <a:lvl1pPr marL="285750" indent="-285750">
+              <a:buFont typeface="Wingdings" panose="05000000000000000000" pitchFamily="2" charset="2"/>
+              <a:buChar char="u"/>
+              <a:defRPr>
+                <a:solidFill>
+                  <a:schemeClr val="tx1"/>
+                </a:solidFill>
+              </a:defRPr>
+            </a:lvl1pPr>
+            <a:lvl2pPr>
+              <a:defRPr>
+                <a:solidFill>
+                  <a:schemeClr val="tx1"/>
+                </a:solidFill>
+              </a:defRPr>
+            </a:lvl2pPr>
+            <a:lvl3pPr>
+              <a:defRPr>
+                <a:solidFill>
+                  <a:schemeClr val="tx1"/>
+                </a:solidFill>
+              </a:defRPr>
+            </a:lvl3pPr>
+            <a:lvl4pPr>
+              <a:defRPr>
+                <a:solidFill>
+                  <a:schemeClr val="tx1"/>
+                </a:solidFill>
+              </a:defRPr>
+            </a:lvl4pPr>
+            <a:lvl5pPr>
+              <a:defRPr>
+                <a:solidFill>
+                  <a:schemeClr val="tx1"/>
+                </a:solidFill>
+              </a:defRPr>
+            </a:lvl5pPr>
+            <a:lvl6pPr>
+              <a:defRPr>
+                <a:solidFill>
+                  <a:schemeClr val="tx1"/>
+                </a:solidFill>
+              </a:defRPr>
+            </a:lvl6pPr>
+            <a:lvl7pPr>
+              <a:defRPr>
+                <a:solidFill>
+                  <a:schemeClr val="tx1"/>
+                </a:solidFill>
+              </a:defRPr>
+            </a:lvl7pPr>
+            <a:lvl8pPr>
+              <a:defRPr>
+                <a:solidFill>
+                  <a:schemeClr val="tx1"/>
+                </a:solidFill>
+              </a:defRPr>
+            </a:lvl8pPr>
+            <a:lvl9pPr>
+              <a:defRPr>
+                <a:solidFill>
+                  <a:schemeClr val="tx1"/>
+                </a:solidFill>
+              </a:defRPr>
+            </a:lvl9pPr>
+          </a:lstStyle>
+          <a:p>
+            <a:r>
+              <a:rPr lang="zh-CN" altLang="en-US" dirty="0"/>
+              <a:t>引言</a:t>
+            </a:r>
+          </a:p>
+        </p:txBody>
+      </p:sp>
+      <p:sp>
+        <p:nvSpPr>
+          <p:cNvPr id="5" name="TextBox 4"/>
+          <p:cNvSpPr txBox="1"/>
+          <p:nvPr/>
+        </p:nvSpPr>
+        <p:spPr>
+          <a:xfrm>
+            <a:off x="1494792" y="2060848"/>
+            <a:ext cx="4104456" cy="369332"/>
+          </a:xfrm>
+          <a:prstGeom prst="rect">
+            <a:avLst/>
+          </a:prstGeom>
+        </p:spPr>
+        <p:style>
+          <a:lnRef idx="0">
+            <a:schemeClr val="accent2"/>
+          </a:lnRef>
+          <a:fillRef idx="3">
+            <a:schemeClr val="accent2"/>
+          </a:fillRef>
+          <a:effectRef idx="3">
+            <a:schemeClr val="accent2"/>
+          </a:effectRef>
+          <a:fontRef idx="minor">
+            <a:schemeClr val="lt1"/>
+          </a:fontRef>
+        </p:style>
+        <p:txBody>
+          <a:bodyPr wrap="square" rtlCol="0">
+            <a:spAutoFit/>
+          </a:bodyPr>
+          <a:lstStyle/>
+          <a:p>
+            <a:pPr marL="285750" indent="-285750">
+              <a:buFont typeface="Wingdings" panose="05000000000000000000" pitchFamily="2" charset="2"/>
+              <a:buChar char="u"/>
+            </a:pPr>
             <a:r>
               <a:rPr lang="zh-CN" altLang="en-US" dirty="0" smtClean="0"/>
-              <a:t>微服务架构有什么好处呢？</a:t>
-            </a:r>
-            <a:endParaRPr lang="en-US" altLang="zh-CN" dirty="0" smtClean="0"/>
-          </a:p>
-          <a:p>
-            <a:endParaRPr lang="en-US" altLang="zh-CN" dirty="0"/>
-          </a:p>
-          <a:p>
+              <a:t>什么是微服务架构</a:t>
+            </a:r>
             <a:endParaRPr lang="zh-CN" altLang="en-US" dirty="0"/>
           </a:p>
         </p:txBody>
@@ -3672,8 +5314,8 @@
         </p:nvSpPr>
         <p:spPr>
           <a:xfrm>
-            <a:off x="971600" y="1556792"/>
-            <a:ext cx="7632848" cy="5078313"/>
+            <a:off x="1494792" y="2783487"/>
+            <a:ext cx="4104456" cy="369332"/>
           </a:xfrm>
           <a:prstGeom prst="rect">
             <a:avLst/>
@@ -3686,185 +5328,51 @@
           </a:bodyPr>
           <a:lstStyle/>
           <a:p>
-            <a:r>
-              <a:rPr lang="en-US" altLang="zh-CN" dirty="0" smtClean="0"/>
-              <a:t>1</a:t>
-            </a:r>
+            <a:pPr marL="285750" indent="-285750">
+              <a:buFont typeface="Wingdings" panose="05000000000000000000" pitchFamily="2" charset="2"/>
+              <a:buChar char="u"/>
+            </a:pPr>
             <a:r>
               <a:rPr lang="zh-CN" altLang="en-US" dirty="0" smtClean="0"/>
-              <a:t>、发布轻松：每个服务只负责自己的发布流程。只要对外接口不变，就无需做系统级别的集成测试。</a:t>
-            </a:r>
-            <a:endParaRPr lang="en-US" altLang="zh-CN" dirty="0" smtClean="0"/>
-          </a:p>
-          <a:p>
-            <a:endParaRPr lang="en-US" altLang="zh-CN" dirty="0" smtClean="0"/>
-          </a:p>
-          <a:p>
-            <a:r>
-              <a:rPr lang="en-US" altLang="zh-CN" dirty="0" smtClean="0"/>
-              <a:t>2</a:t>
+              <a:t>为什么要用微服务架构</a:t>
+            </a:r>
+            <a:endParaRPr lang="zh-CN" altLang="en-US" dirty="0"/>
+          </a:p>
+        </p:txBody>
+      </p:sp>
+      <p:sp>
+        <p:nvSpPr>
+          <p:cNvPr id="7" name="TextBox 6"/>
+          <p:cNvSpPr txBox="1"/>
+          <p:nvPr/>
+        </p:nvSpPr>
+        <p:spPr>
+          <a:xfrm>
+            <a:off x="1511261" y="3573016"/>
+            <a:ext cx="4104456" cy="369332"/>
+          </a:xfrm>
+          <a:prstGeom prst="rect">
+            <a:avLst/>
+          </a:prstGeom>
+          <a:noFill/>
+        </p:spPr>
+        <p:txBody>
+          <a:bodyPr wrap="square" rtlCol="0">
+            <a:spAutoFit/>
+          </a:bodyPr>
+          <a:lstStyle/>
+          <a:p>
+            <a:pPr marL="285750" indent="-285750">
+              <a:buFont typeface="Wingdings" panose="05000000000000000000" pitchFamily="2" charset="2"/>
+              <a:buChar char="u"/>
+            </a:pPr>
+            <a:r>
+              <a:rPr lang="zh-CN" altLang="en-US" dirty="0"/>
+              <a:t>实施</a:t>
             </a:r>
             <a:r>
               <a:rPr lang="zh-CN" altLang="en-US" dirty="0" smtClean="0"/>
-              <a:t>、轻量级：分拆后，每个服务占用资源少，并且可独立度量。</a:t>
-            </a:r>
-            <a:endParaRPr lang="en-US" altLang="zh-CN" dirty="0"/>
-          </a:p>
-          <a:p>
-            <a:endParaRPr lang="en-US" altLang="zh-CN" dirty="0"/>
-          </a:p>
-          <a:p>
-            <a:r>
-              <a:rPr lang="en-US" altLang="zh-CN" dirty="0" smtClean="0"/>
-              <a:t>3</a:t>
-            </a:r>
-            <a:r>
-              <a:rPr lang="zh-CN" altLang="en-US" dirty="0" smtClean="0"/>
-              <a:t>、故障隔离：非核心服务</a:t>
-            </a:r>
-            <a:r>
-              <a:rPr lang="en-US" altLang="zh-CN" dirty="0" smtClean="0"/>
-              <a:t>A</a:t>
-            </a:r>
-            <a:r>
-              <a:rPr lang="zh-CN" altLang="en-US" dirty="0" smtClean="0"/>
-              <a:t>故障不会影响其他服务运行</a:t>
-            </a:r>
-            <a:endParaRPr lang="en-US" altLang="zh-CN" dirty="0" smtClean="0"/>
-          </a:p>
-          <a:p>
-            <a:endParaRPr lang="en-US" altLang="zh-CN" dirty="0"/>
-          </a:p>
-          <a:p>
-            <a:r>
-              <a:rPr lang="en-US" altLang="zh-CN" dirty="0" smtClean="0"/>
-              <a:t>4</a:t>
-            </a:r>
-            <a:r>
-              <a:rPr lang="zh-CN" altLang="en-US" dirty="0" smtClean="0"/>
-              <a:t>、持续部署：服务</a:t>
-            </a:r>
-            <a:r>
-              <a:rPr lang="en-US" altLang="zh-CN" dirty="0" smtClean="0"/>
-              <a:t>A</a:t>
-            </a:r>
-            <a:r>
-              <a:rPr lang="zh-CN" altLang="en-US" dirty="0" smtClean="0"/>
-              <a:t>升级不会影响服务</a:t>
-            </a:r>
-            <a:r>
-              <a:rPr lang="en-US" altLang="zh-CN" dirty="0" smtClean="0"/>
-              <a:t>B</a:t>
-            </a:r>
-            <a:r>
-              <a:rPr lang="zh-CN" altLang="en-US" dirty="0" smtClean="0"/>
-              <a:t>运行，并且分拆为微服务后，组件启动时间可以达到秒级</a:t>
-            </a:r>
-            <a:endParaRPr lang="en-US" altLang="zh-CN" dirty="0" smtClean="0"/>
-          </a:p>
-          <a:p>
-            <a:endParaRPr lang="en-US" altLang="zh-CN" dirty="0"/>
-          </a:p>
-          <a:p>
-            <a:r>
-              <a:rPr lang="en-US" altLang="zh-CN" dirty="0" smtClean="0"/>
-              <a:t>5</a:t>
-            </a:r>
-            <a:r>
-              <a:rPr lang="zh-CN" altLang="en-US" dirty="0" smtClean="0"/>
-              <a:t>、服务级扩缩：通过扩缩瓶颈服务，提高系统吞吐量，可以大大提高资源利用率</a:t>
-            </a:r>
-            <a:endParaRPr lang="en-US" altLang="zh-CN" dirty="0" smtClean="0"/>
-          </a:p>
-          <a:p>
-            <a:endParaRPr lang="en-US" altLang="zh-CN" dirty="0"/>
-          </a:p>
-          <a:p>
-            <a:r>
-              <a:rPr lang="en-US" altLang="zh-CN" dirty="0" smtClean="0"/>
-              <a:t>6</a:t>
-            </a:r>
-            <a:r>
-              <a:rPr lang="zh-CN" altLang="en-US" dirty="0" smtClean="0"/>
-              <a:t>、多语言支持：只要通信协议是跨语言，就可以实现服务</a:t>
-            </a:r>
-            <a:r>
-              <a:rPr lang="en-US" altLang="zh-CN" dirty="0" smtClean="0"/>
-              <a:t>A</a:t>
-            </a:r>
-            <a:r>
-              <a:rPr lang="zh-CN" altLang="en-US" dirty="0" smtClean="0"/>
-              <a:t>用</a:t>
-            </a:r>
-            <a:r>
-              <a:rPr lang="en-US" altLang="zh-CN" dirty="0" smtClean="0"/>
-              <a:t>java</a:t>
-            </a:r>
-            <a:r>
-              <a:rPr lang="zh-CN" altLang="en-US" dirty="0" smtClean="0"/>
-              <a:t>编写，性能要求高的服务</a:t>
-            </a:r>
-            <a:r>
-              <a:rPr lang="en-US" altLang="zh-CN" dirty="0" smtClean="0"/>
-              <a:t>B</a:t>
-            </a:r>
-            <a:r>
-              <a:rPr lang="zh-CN" altLang="en-US" dirty="0" smtClean="0"/>
-              <a:t>用</a:t>
-            </a:r>
-            <a:r>
-              <a:rPr lang="en-US" altLang="zh-CN" dirty="0" smtClean="0"/>
-              <a:t>C++</a:t>
-            </a:r>
-            <a:r>
-              <a:rPr lang="zh-CN" altLang="en-US" dirty="0" smtClean="0"/>
-              <a:t>或者</a:t>
-            </a:r>
-            <a:r>
-              <a:rPr lang="en-US" altLang="zh-CN" dirty="0" err="1" smtClean="0"/>
-              <a:t>golang</a:t>
-            </a:r>
-            <a:r>
-              <a:rPr lang="zh-CN" altLang="en-US" dirty="0" smtClean="0"/>
-              <a:t>写。</a:t>
-            </a:r>
-            <a:endParaRPr lang="en-US" altLang="zh-CN" dirty="0" smtClean="0"/>
-          </a:p>
-          <a:p>
-            <a:endParaRPr lang="en-US" altLang="zh-CN" dirty="0"/>
-          </a:p>
-          <a:p>
-            <a:r>
-              <a:rPr lang="en-US" altLang="zh-CN" dirty="0" smtClean="0"/>
-              <a:t>7</a:t>
-            </a:r>
-            <a:r>
-              <a:rPr lang="zh-CN" altLang="en-US" dirty="0" smtClean="0"/>
-              <a:t>、服务运行环境定制化：服务</a:t>
-            </a:r>
-            <a:r>
-              <a:rPr lang="en-US" altLang="zh-CN" dirty="0" smtClean="0"/>
-              <a:t>A</a:t>
-            </a:r>
-            <a:r>
-              <a:rPr lang="zh-CN" altLang="en-US" dirty="0" smtClean="0"/>
-              <a:t>是计算密集型，服务</a:t>
-            </a:r>
-            <a:r>
-              <a:rPr lang="en-US" altLang="zh-CN" dirty="0" smtClean="0"/>
-              <a:t>B</a:t>
-            </a:r>
-            <a:r>
-              <a:rPr lang="zh-CN" altLang="en-US" dirty="0" smtClean="0"/>
-              <a:t>是</a:t>
-            </a:r>
-            <a:r>
-              <a:rPr lang="en-US" altLang="zh-CN" dirty="0" smtClean="0"/>
-              <a:t>IO</a:t>
-            </a:r>
-            <a:r>
-              <a:rPr lang="zh-CN" altLang="en-US" dirty="0" smtClean="0"/>
-              <a:t>密集型，不同的服务提供不同的运行环境</a:t>
+              <a:t>微服务架构有哪些挑战</a:t>
             </a:r>
             <a:endParaRPr lang="zh-CN" altLang="en-US" dirty="0"/>
           </a:p>
@@ -3873,7 +5381,7 @@
     </p:spTree>
     <p:extLst>
       <p:ext uri="{BB962C8B-B14F-4D97-AF65-F5344CB8AC3E}">
-        <p14:creationId xmlns:p14="http://schemas.microsoft.com/office/powerpoint/2010/main" val="400347693"/>
+        <p14:creationId xmlns:p14="http://schemas.microsoft.com/office/powerpoint/2010/main" val="3753535327"/>
       </p:ext>
     </p:extLst>
   </p:cSld>
@@ -3908,8 +5416,8 @@
         </p:nvSpPr>
         <p:spPr>
           <a:xfrm>
-            <a:off x="1259632" y="1124744"/>
-            <a:ext cx="5760640" cy="3693319"/>
+            <a:off x="670765" y="620688"/>
+            <a:ext cx="7776864" cy="2400657"/>
           </a:xfrm>
           <a:prstGeom prst="rect">
             <a:avLst/>
@@ -3923,187 +5431,349 @@
           <a:lstStyle/>
           <a:p>
             <a:r>
-              <a:rPr lang="zh-CN" altLang="en-US" dirty="0"/>
-              <a:t>微</a:t>
-            </a:r>
-            <a:r>
-              <a:rPr lang="zh-CN" altLang="en-US" dirty="0" smtClean="0"/>
-              <a:t>服务架构带来了另外一个变革</a:t>
-            </a:r>
-            <a:r>
-              <a:rPr lang="en-US" altLang="zh-CN" dirty="0" smtClean="0"/>
-              <a:t>---------&gt;</a:t>
-            </a:r>
-            <a:r>
-              <a:rPr lang="en-US" altLang="zh-CN" dirty="0" err="1" smtClean="0"/>
-              <a:t>DevOps</a:t>
-            </a:r>
-            <a:r>
-              <a:rPr lang="zh-CN" altLang="en-US" dirty="0" smtClean="0"/>
-              <a:t>文化</a:t>
-            </a:r>
+              <a:rPr lang="zh-CN" altLang="en-US" b="1" dirty="0" smtClean="0"/>
+              <a:t>什么是微服务架构？</a:t>
+            </a:r>
+            <a:endParaRPr lang="en-US" altLang="zh-CN" b="1" dirty="0" smtClean="0"/>
+          </a:p>
+          <a:p>
             <a:endParaRPr lang="en-US" altLang="zh-CN" dirty="0" smtClean="0"/>
           </a:p>
           <a:p>
-            <a:endParaRPr lang="en-US" altLang="zh-CN" dirty="0"/>
-          </a:p>
-          <a:p>
-            <a:r>
-              <a:rPr lang="en-US" altLang="zh-CN" dirty="0" err="1" smtClean="0"/>
-              <a:t>DevOps</a:t>
-            </a:r>
-            <a:r>
-              <a:rPr lang="zh-CN" altLang="en-US" dirty="0" smtClean="0"/>
-              <a:t>提倡：</a:t>
-            </a:r>
-            <a:endParaRPr lang="en-US" altLang="zh-CN" dirty="0" smtClean="0"/>
-          </a:p>
-          <a:p>
-            <a:endParaRPr lang="en-US" altLang="zh-CN" dirty="0"/>
-          </a:p>
-          <a:p>
-            <a:r>
-              <a:rPr lang="en-US" altLang="zh-CN" dirty="0" smtClean="0"/>
-              <a:t>1</a:t>
-            </a:r>
-            <a:r>
-              <a:rPr lang="zh-CN" altLang="en-US" dirty="0" smtClean="0"/>
-              <a:t>、全生命周期负责：</a:t>
-            </a:r>
-            <a:r>
-              <a:rPr lang="en-US" altLang="zh-CN" dirty="0" smtClean="0"/>
-              <a:t>Build Yourself, Run Yourself, Maintain Yourself</a:t>
-            </a:r>
-          </a:p>
-          <a:p>
-            <a:endParaRPr lang="en-US" altLang="zh-CN" dirty="0"/>
-          </a:p>
-          <a:p>
-            <a:r>
-              <a:rPr lang="en-US" altLang="zh-CN" dirty="0" smtClean="0"/>
-              <a:t>2</a:t>
-            </a:r>
-            <a:r>
-              <a:rPr lang="zh-CN" altLang="en-US" dirty="0" smtClean="0"/>
-              <a:t>、全功能团队：</a:t>
-            </a:r>
-            <a:r>
-              <a:rPr lang="en-US" altLang="zh-CN" dirty="0" err="1" smtClean="0"/>
-              <a:t>ui</a:t>
-            </a:r>
-            <a:r>
-              <a:rPr lang="zh-CN" altLang="en-US" dirty="0" smtClean="0"/>
-              <a:t>、</a:t>
-            </a:r>
-            <a:r>
-              <a:rPr lang="en-US" altLang="zh-CN" dirty="0" err="1" smtClean="0"/>
-              <a:t>dev</a:t>
-            </a:r>
-            <a:r>
-              <a:rPr lang="zh-CN" altLang="en-US" dirty="0" smtClean="0"/>
-              <a:t>、</a:t>
-            </a:r>
-            <a:r>
-              <a:rPr lang="en-US" altLang="zh-CN" dirty="0" smtClean="0"/>
-              <a:t>test</a:t>
-            </a:r>
-            <a:r>
-              <a:rPr lang="zh-CN" altLang="en-US" dirty="0" smtClean="0"/>
-              <a:t>、</a:t>
-            </a:r>
-            <a:r>
-              <a:rPr lang="en-US" altLang="zh-CN" dirty="0" smtClean="0"/>
-              <a:t>ops   etc.</a:t>
-            </a:r>
-          </a:p>
-          <a:p>
-            <a:endParaRPr lang="en-US" altLang="zh-CN" dirty="0"/>
-          </a:p>
-          <a:p>
-            <a:r>
-              <a:rPr lang="en-US" altLang="zh-CN" dirty="0" smtClean="0"/>
-              <a:t>3</a:t>
-            </a:r>
-            <a:r>
-              <a:rPr lang="zh-CN" altLang="en-US" dirty="0" smtClean="0"/>
-              <a:t>、全流程自动化：</a:t>
-            </a:r>
-            <a:r>
-              <a:rPr lang="en-US" altLang="zh-CN" dirty="0" smtClean="0"/>
-              <a:t>Code Commit</a:t>
-            </a:r>
-            <a:r>
-              <a:rPr lang="zh-CN" altLang="en-US" dirty="0" smtClean="0"/>
-              <a:t>、</a:t>
-            </a:r>
-            <a:r>
-              <a:rPr lang="en-US" altLang="zh-CN" dirty="0" smtClean="0"/>
-              <a:t>Code Review</a:t>
-            </a:r>
-            <a:r>
-              <a:rPr lang="zh-CN" altLang="en-US" dirty="0" smtClean="0"/>
-              <a:t>，</a:t>
-            </a:r>
-            <a:r>
-              <a:rPr lang="en-US" altLang="zh-CN" dirty="0" smtClean="0"/>
-              <a:t>Code Build</a:t>
-            </a:r>
-            <a:r>
-              <a:rPr lang="zh-CN" altLang="en-US" dirty="0" smtClean="0"/>
-              <a:t>、</a:t>
-            </a:r>
-            <a:r>
-              <a:rPr lang="en-US" altLang="zh-CN" dirty="0" smtClean="0"/>
-              <a:t>Code Test</a:t>
-            </a:r>
-            <a:r>
-              <a:rPr lang="zh-CN" altLang="en-US" dirty="0" smtClean="0"/>
-              <a:t>，</a:t>
-            </a:r>
-            <a:r>
-              <a:rPr lang="en-US" altLang="zh-CN" dirty="0" smtClean="0"/>
-              <a:t>Code Push</a:t>
-            </a:r>
-            <a:r>
-              <a:rPr lang="zh-CN" altLang="en-US" dirty="0" smtClean="0"/>
-              <a:t>、</a:t>
-            </a:r>
-            <a:r>
-              <a:rPr lang="en-US" altLang="zh-CN" dirty="0" smtClean="0"/>
-              <a:t>Code Deploy</a:t>
-            </a:r>
-          </a:p>
-          <a:p>
-            <a:endParaRPr lang="en-US" altLang="zh-CN" dirty="0"/>
-          </a:p>
-          <a:p>
-            <a:r>
-              <a:rPr lang="en-US" altLang="zh-CN" dirty="0" smtClean="0"/>
-              <a:t>4</a:t>
-            </a:r>
-            <a:r>
-              <a:rPr lang="zh-CN" altLang="en-US" dirty="0" smtClean="0"/>
-              <a:t>、宁可系统少一个功能，也不能多一行</a:t>
-            </a:r>
-            <a:r>
-              <a:rPr lang="en-US" altLang="zh-CN" dirty="0" smtClean="0"/>
-              <a:t>Bad</a:t>
-            </a:r>
             <a:r>
               <a:rPr lang="zh-CN" altLang="en-US" dirty="0"/>
               <a:t> </a:t>
             </a:r>
             <a:r>
+              <a:rPr lang="zh-CN" altLang="en-US" dirty="0" smtClean="0"/>
+              <a:t>       </a:t>
+            </a:r>
+            <a:r>
+              <a:rPr lang="zh-CN" altLang="en-US" sz="1600" dirty="0" smtClean="0"/>
+              <a:t>微服务架构是伴随着云端应用、资源按需使用的需求诞生，他的前世今生有：</a:t>
+            </a:r>
+            <a:r>
+              <a:rPr lang="en-US" altLang="zh-CN" sz="1600" dirty="0" smtClean="0"/>
+              <a:t>SOA</a:t>
+            </a:r>
+            <a:r>
+              <a:rPr lang="zh-CN" altLang="en-US" sz="1600" dirty="0" smtClean="0"/>
+              <a:t>、分布式、集群等等</a:t>
+            </a:r>
+            <a:endParaRPr lang="en-US" altLang="zh-CN" sz="1600" dirty="0"/>
+          </a:p>
+          <a:p>
+            <a:endParaRPr lang="en-US" altLang="zh-CN" sz="1600" dirty="0"/>
+          </a:p>
+          <a:p>
+            <a:r>
+              <a:rPr lang="zh-CN" altLang="en-US" sz="1600" dirty="0" smtClean="0"/>
+              <a:t>         微服务架构：将一个大的应用按业务分拆成一系列服务，各个服务运行在自己的独立进程中或者独立的</a:t>
+            </a:r>
+            <a:r>
+              <a:rPr lang="en-US" altLang="zh-CN" sz="1600" dirty="0" smtClean="0"/>
+              <a:t>VM</a:t>
+            </a:r>
+            <a:r>
+              <a:rPr lang="zh-CN" altLang="en-US" sz="1600" dirty="0" smtClean="0"/>
+              <a:t>中，通过轻量级的协议通信，最常见的就是</a:t>
+            </a:r>
+            <a:r>
+              <a:rPr lang="en-US" altLang="zh-CN" sz="1600" dirty="0" smtClean="0"/>
+              <a:t>HTTP REST API</a:t>
+            </a:r>
+            <a:r>
+              <a:rPr lang="zh-CN" altLang="en-US" sz="1600" dirty="0" smtClean="0"/>
+              <a:t>。每个业务进程独立部署、独立运行、并可用不同的语言实现，每个服务甚至可以自带数据库。</a:t>
+            </a:r>
+            <a:endParaRPr lang="zh-CN" altLang="en-US" sz="1600" dirty="0"/>
+          </a:p>
+        </p:txBody>
+      </p:sp>
+      <p:sp>
+        <p:nvSpPr>
+          <p:cNvPr id="6" name="TextBox 5"/>
+          <p:cNvSpPr txBox="1"/>
+          <p:nvPr/>
+        </p:nvSpPr>
+        <p:spPr>
+          <a:xfrm>
+            <a:off x="755576" y="3991469"/>
+            <a:ext cx="4608512" cy="369332"/>
+          </a:xfrm>
+          <a:prstGeom prst="rect">
+            <a:avLst/>
+          </a:prstGeom>
+          <a:noFill/>
+        </p:spPr>
+        <p:txBody>
+          <a:bodyPr wrap="square" rtlCol="0">
+            <a:spAutoFit/>
+          </a:bodyPr>
+          <a:lstStyle/>
+          <a:p>
+            <a:r>
+              <a:rPr lang="zh-CN" altLang="en-US" b="1" dirty="0" smtClean="0"/>
+              <a:t>谁在用？</a:t>
+            </a:r>
+            <a:endParaRPr lang="zh-CN" altLang="en-US" b="1" dirty="0"/>
+          </a:p>
+        </p:txBody>
+      </p:sp>
+      <p:pic>
+        <p:nvPicPr>
+          <p:cNvPr id="2050" name="Picture 2"/>
+          <p:cNvPicPr>
+            <a:picLocks noChangeAspect="1" noChangeArrowheads="1"/>
+          </p:cNvPicPr>
+          <p:nvPr/>
+        </p:nvPicPr>
+        <p:blipFill>
+          <a:blip r:embed="rId2">
+            <a:extLst>
+              <a:ext uri="{28A0092B-C50C-407E-A947-70E740481C1C}">
+                <a14:useLocalDpi xmlns:a14="http://schemas.microsoft.com/office/drawing/2010/main" val="0"/>
+              </a:ext>
+            </a:extLst>
+          </a:blip>
+          <a:srcRect/>
+          <a:stretch>
+            <a:fillRect/>
+          </a:stretch>
+        </p:blipFill>
+        <p:spPr bwMode="auto">
+          <a:xfrm>
+            <a:off x="949225" y="4567533"/>
+            <a:ext cx="826963" cy="576262"/>
+          </a:xfrm>
+          <a:prstGeom prst="rect">
+            <a:avLst/>
+          </a:prstGeom>
+          <a:noFill/>
+          <a:ln>
+            <a:noFill/>
+          </a:ln>
+          <a:extLst>
+            <a:ext uri="{909E8E84-426E-40DD-AFC4-6F175D3DCCD1}">
+              <a14:hiddenFill xmlns:a14="http://schemas.microsoft.com/office/drawing/2010/main">
+                <a:solidFill>
+                  <a:schemeClr val="accent1"/>
+                </a:solidFill>
+              </a14:hiddenFill>
+            </a:ext>
+            <a:ext uri="{91240B29-F687-4F45-9708-019B960494DF}">
+              <a14:hiddenLine xmlns:a14="http://schemas.microsoft.com/office/drawing/2010/main" w="9525">
+                <a:solidFill>
+                  <a:schemeClr val="tx1"/>
+                </a:solidFill>
+                <a:miter lim="800000"/>
+                <a:headEnd/>
+                <a:tailEnd/>
+              </a14:hiddenLine>
+            </a:ext>
+          </a:extLst>
+        </p:spPr>
+      </p:pic>
+      <p:pic>
+        <p:nvPicPr>
+          <p:cNvPr id="2051" name="Picture 3"/>
+          <p:cNvPicPr>
+            <a:picLocks noChangeAspect="1" noChangeArrowheads="1"/>
+          </p:cNvPicPr>
+          <p:nvPr/>
+        </p:nvPicPr>
+        <p:blipFill>
+          <a:blip r:embed="rId3">
+            <a:extLst>
+              <a:ext uri="{28A0092B-C50C-407E-A947-70E740481C1C}">
+                <a14:useLocalDpi xmlns:a14="http://schemas.microsoft.com/office/drawing/2010/main" val="0"/>
+              </a:ext>
+            </a:extLst>
+          </a:blip>
+          <a:srcRect/>
+          <a:stretch>
+            <a:fillRect/>
+          </a:stretch>
+        </p:blipFill>
+        <p:spPr bwMode="auto">
+          <a:xfrm>
+            <a:off x="2339752" y="4567533"/>
+            <a:ext cx="846770" cy="598787"/>
+          </a:xfrm>
+          <a:prstGeom prst="rect">
+            <a:avLst/>
+          </a:prstGeom>
+          <a:noFill/>
+          <a:ln>
+            <a:noFill/>
+          </a:ln>
+          <a:extLst>
+            <a:ext uri="{909E8E84-426E-40DD-AFC4-6F175D3DCCD1}">
+              <a14:hiddenFill xmlns:a14="http://schemas.microsoft.com/office/drawing/2010/main">
+                <a:solidFill>
+                  <a:schemeClr val="accent1"/>
+                </a:solidFill>
+              </a14:hiddenFill>
+            </a:ext>
+            <a:ext uri="{91240B29-F687-4F45-9708-019B960494DF}">
+              <a14:hiddenLine xmlns:a14="http://schemas.microsoft.com/office/drawing/2010/main" w="9525">
+                <a:solidFill>
+                  <a:schemeClr val="tx1"/>
+                </a:solidFill>
+                <a:miter lim="800000"/>
+                <a:headEnd/>
+                <a:tailEnd/>
+              </a14:hiddenLine>
+            </a:ext>
+          </a:extLst>
+        </p:spPr>
+      </p:pic>
+      <p:pic>
+        <p:nvPicPr>
+          <p:cNvPr id="2052" name="Picture 4"/>
+          <p:cNvPicPr>
+            <a:picLocks noChangeAspect="1" noChangeArrowheads="1"/>
+          </p:cNvPicPr>
+          <p:nvPr/>
+        </p:nvPicPr>
+        <p:blipFill>
+          <a:blip r:embed="rId4">
+            <a:extLst>
+              <a:ext uri="{28A0092B-C50C-407E-A947-70E740481C1C}">
+                <a14:useLocalDpi xmlns:a14="http://schemas.microsoft.com/office/drawing/2010/main" val="0"/>
+              </a:ext>
+            </a:extLst>
+          </a:blip>
+          <a:srcRect/>
+          <a:stretch>
+            <a:fillRect/>
+          </a:stretch>
+        </p:blipFill>
+        <p:spPr bwMode="auto">
+          <a:xfrm>
+            <a:off x="3563888" y="4567533"/>
+            <a:ext cx="1314078" cy="567733"/>
+          </a:xfrm>
+          <a:prstGeom prst="rect">
+            <a:avLst/>
+          </a:prstGeom>
+          <a:noFill/>
+          <a:ln>
+            <a:noFill/>
+          </a:ln>
+          <a:extLst>
+            <a:ext uri="{909E8E84-426E-40DD-AFC4-6F175D3DCCD1}">
+              <a14:hiddenFill xmlns:a14="http://schemas.microsoft.com/office/drawing/2010/main">
+                <a:solidFill>
+                  <a:schemeClr val="accent1"/>
+                </a:solidFill>
+              </a14:hiddenFill>
+            </a:ext>
+            <a:ext uri="{91240B29-F687-4F45-9708-019B960494DF}">
+              <a14:hiddenLine xmlns:a14="http://schemas.microsoft.com/office/drawing/2010/main" w="9525">
+                <a:solidFill>
+                  <a:schemeClr val="tx1"/>
+                </a:solidFill>
+                <a:miter lim="800000"/>
+                <a:headEnd/>
+                <a:tailEnd/>
+              </a14:hiddenLine>
+            </a:ext>
+          </a:extLst>
+        </p:spPr>
+      </p:pic>
+      <p:pic>
+        <p:nvPicPr>
+          <p:cNvPr id="2053" name="Picture 5"/>
+          <p:cNvPicPr>
+            <a:picLocks noChangeAspect="1" noChangeArrowheads="1"/>
+          </p:cNvPicPr>
+          <p:nvPr/>
+        </p:nvPicPr>
+        <p:blipFill>
+          <a:blip r:embed="rId5">
+            <a:extLst>
+              <a:ext uri="{28A0092B-C50C-407E-A947-70E740481C1C}">
+                <a14:useLocalDpi xmlns:a14="http://schemas.microsoft.com/office/drawing/2010/main" val="0"/>
+              </a:ext>
+            </a:extLst>
+          </a:blip>
+          <a:srcRect/>
+          <a:stretch>
+            <a:fillRect/>
+          </a:stretch>
+        </p:blipFill>
+        <p:spPr bwMode="auto">
+          <a:xfrm>
+            <a:off x="5220072" y="4567533"/>
+            <a:ext cx="603818" cy="598787"/>
+          </a:xfrm>
+          <a:prstGeom prst="rect">
+            <a:avLst/>
+          </a:prstGeom>
+          <a:noFill/>
+          <a:ln>
+            <a:noFill/>
+          </a:ln>
+          <a:extLst>
+            <a:ext uri="{909E8E84-426E-40DD-AFC4-6F175D3DCCD1}">
+              <a14:hiddenFill xmlns:a14="http://schemas.microsoft.com/office/drawing/2010/main">
+                <a:solidFill>
+                  <a:schemeClr val="accent1"/>
+                </a:solidFill>
+              </a14:hiddenFill>
+            </a:ext>
+            <a:ext uri="{91240B29-F687-4F45-9708-019B960494DF}">
+              <a14:hiddenLine xmlns:a14="http://schemas.microsoft.com/office/drawing/2010/main" w="9525">
+                <a:solidFill>
+                  <a:schemeClr val="tx1"/>
+                </a:solidFill>
+                <a:miter lim="800000"/>
+                <a:headEnd/>
+                <a:tailEnd/>
+              </a14:hiddenLine>
+            </a:ext>
+          </a:extLst>
+        </p:spPr>
+      </p:pic>
+      <p:sp>
+        <p:nvSpPr>
+          <p:cNvPr id="2" name="TextBox 1"/>
+          <p:cNvSpPr txBox="1"/>
+          <p:nvPr/>
+        </p:nvSpPr>
+        <p:spPr>
+          <a:xfrm>
+            <a:off x="6156176" y="4682260"/>
+            <a:ext cx="1008112" cy="369332"/>
+          </a:xfrm>
+          <a:prstGeom prst="rect">
+            <a:avLst/>
+          </a:prstGeom>
+          <a:noFill/>
+        </p:spPr>
+        <p:txBody>
+          <a:bodyPr wrap="square" rtlCol="0">
+            <a:spAutoFit/>
+          </a:bodyPr>
+          <a:lstStyle/>
+          <a:p>
+            <a:r>
               <a:rPr lang="en-US" altLang="zh-CN" dirty="0" smtClean="0"/>
-              <a:t>Code</a:t>
-            </a:r>
+              <a:t>.</a:t>
+            </a:r>
+            <a:r>
+              <a:rPr lang="en-US" altLang="zh-CN" dirty="0" err="1" smtClean="0"/>
+              <a:t>etc</a:t>
+            </a:r>
+            <a:endParaRPr lang="zh-CN" altLang="en-US" dirty="0"/>
           </a:p>
         </p:txBody>
       </p:sp>
     </p:spTree>
     <p:extLst>
       <p:ext uri="{BB962C8B-B14F-4D97-AF65-F5344CB8AC3E}">
-        <p14:creationId xmlns:p14="http://schemas.microsoft.com/office/powerpoint/2010/main" val="3607830498"/>
+        <p14:creationId xmlns:p14="http://schemas.microsoft.com/office/powerpoint/2010/main" val="3208313009"/>
       </p:ext>
     </p:extLst>
   </p:cSld>
@@ -4130,16 +5800,124 @@
           <a:chExt cx="0" cy="0"/>
         </a:xfrm>
       </p:grpSpPr>
-      <p:sp>
-        <p:nvSpPr>
-          <p:cNvPr id="5" name="TextBox 4"/>
+      <p:pic>
+        <p:nvPicPr>
+          <p:cNvPr id="1026" name="Picture 2"/>
+          <p:cNvPicPr>
+            <a:picLocks noChangeAspect="1" noChangeArrowheads="1"/>
+          </p:cNvPicPr>
+          <p:nvPr/>
+        </p:nvPicPr>
+        <p:blipFill>
+          <a:blip r:embed="rId2">
+            <a:extLst>
+              <a:ext uri="{28A0092B-C50C-407E-A947-70E740481C1C}">
+                <a14:useLocalDpi xmlns:a14="http://schemas.microsoft.com/office/drawing/2010/main" val="0"/>
+              </a:ext>
+            </a:extLst>
+          </a:blip>
+          <a:srcRect/>
+          <a:stretch>
+            <a:fillRect/>
+          </a:stretch>
+        </p:blipFill>
+        <p:spPr bwMode="auto">
+          <a:xfrm>
+            <a:off x="-1260648" y="1457182"/>
+            <a:ext cx="5688633" cy="4505870"/>
+          </a:xfrm>
+          <a:prstGeom prst="rect">
+            <a:avLst/>
+          </a:prstGeom>
+          <a:noFill/>
+          <a:ln>
+            <a:noFill/>
+          </a:ln>
+          <a:extLst>
+            <a:ext uri="{909E8E84-426E-40DD-AFC4-6F175D3DCCD1}">
+              <a14:hiddenFill xmlns:a14="http://schemas.microsoft.com/office/drawing/2010/main">
+                <a:solidFill>
+                  <a:schemeClr val="accent1"/>
+                </a:solidFill>
+              </a14:hiddenFill>
+            </a:ext>
+            <a:ext uri="{91240B29-F687-4F45-9708-019B960494DF}">
+              <a14:hiddenLine xmlns:a14="http://schemas.microsoft.com/office/drawing/2010/main" w="9525">
+                <a:solidFill>
+                  <a:schemeClr val="tx1"/>
+                </a:solidFill>
+                <a:miter lim="800000"/>
+                <a:headEnd/>
+                <a:tailEnd/>
+              </a14:hiddenLine>
+            </a:ext>
+          </a:extLst>
+        </p:spPr>
+      </p:pic>
+      <p:pic>
+        <p:nvPicPr>
+          <p:cNvPr id="1028" name="Picture 4"/>
+          <p:cNvPicPr>
+            <a:picLocks noChangeAspect="1" noChangeArrowheads="1"/>
+          </p:cNvPicPr>
+          <p:nvPr/>
+        </p:nvPicPr>
+        <p:blipFill>
+          <a:blip r:embed="rId3">
+            <a:extLst>
+              <a:ext uri="{28A0092B-C50C-407E-A947-70E740481C1C}">
+                <a14:useLocalDpi xmlns:a14="http://schemas.microsoft.com/office/drawing/2010/main" val="0"/>
+              </a:ext>
+            </a:extLst>
+          </a:blip>
+          <a:srcRect/>
+          <a:stretch>
+            <a:fillRect/>
+          </a:stretch>
+        </p:blipFill>
+        <p:spPr bwMode="auto">
+          <a:xfrm>
+            <a:off x="4716016" y="1432139"/>
+            <a:ext cx="5688682" cy="4502086"/>
+          </a:xfrm>
+          <a:prstGeom prst="rect">
+            <a:avLst/>
+          </a:prstGeom>
+          <a:noFill/>
+          <a:ln>
+            <a:noFill/>
+          </a:ln>
+          <a:extLst>
+            <a:ext uri="{909E8E84-426E-40DD-AFC4-6F175D3DCCD1}">
+              <a14:hiddenFill xmlns:a14="http://schemas.microsoft.com/office/drawing/2010/main">
+                <a:solidFill>
+                  <a:schemeClr val="accent1"/>
+                </a:solidFill>
+              </a14:hiddenFill>
+            </a:ext>
+            <a:ext uri="{91240B29-F687-4F45-9708-019B960494DF}">
+              <a14:hiddenLine xmlns:a14="http://schemas.microsoft.com/office/drawing/2010/main" w="9525">
+                <a:solidFill>
+                  <a:schemeClr val="tx1"/>
+                </a:solidFill>
+                <a:miter lim="800000"/>
+                <a:headEnd/>
+                <a:tailEnd/>
+              </a14:hiddenLine>
+            </a:ext>
+          </a:extLst>
+        </p:spPr>
+      </p:pic>
+      <p:sp>
+        <p:nvSpPr>
+          <p:cNvPr id="4" name="TextBox 3"/>
           <p:cNvSpPr txBox="1"/>
           <p:nvPr/>
         </p:nvSpPr>
         <p:spPr>
           <a:xfrm>
-            <a:off x="971600" y="620688"/>
-            <a:ext cx="7056784" cy="369332"/>
+            <a:off x="743662" y="6165304"/>
+            <a:ext cx="899592" cy="338554"/>
           </a:xfrm>
           <a:prstGeom prst="rect">
             <a:avLst/>
@@ -4153,23 +5931,23 @@
           <a:lstStyle/>
           <a:p>
             <a:r>
-              <a:rPr lang="zh-CN" altLang="en-US" dirty="0" smtClean="0"/>
-              <a:t>实施微服务架构有哪些挑战？</a:t>
-            </a:r>
-            <a:endParaRPr lang="zh-CN" altLang="en-US" dirty="0"/>
-          </a:p>
-        </p:txBody>
-      </p:sp>
-      <p:sp>
-        <p:nvSpPr>
-          <p:cNvPr id="7" name="TextBox 6"/>
+              <a:rPr lang="zh-CN" altLang="en-US" sz="1600" b="1" dirty="0" smtClean="0"/>
+              <a:t>集中式</a:t>
+            </a:r>
+            <a:endParaRPr lang="zh-CN" altLang="en-US" sz="1600" b="1" dirty="0"/>
+          </a:p>
+        </p:txBody>
+      </p:sp>
+      <p:sp>
+        <p:nvSpPr>
+          <p:cNvPr id="8" name="TextBox 7"/>
           <p:cNvSpPr txBox="1"/>
           <p:nvPr/>
         </p:nvSpPr>
         <p:spPr>
           <a:xfrm>
-            <a:off x="971600" y="1628800"/>
-            <a:ext cx="7200800" cy="3693319"/>
+            <a:off x="7452320" y="6093296"/>
+            <a:ext cx="899592" cy="338554"/>
           </a:xfrm>
           <a:prstGeom prst="rect">
             <a:avLst/>
@@ -4183,113 +5961,466 @@
           <a:lstStyle/>
           <a:p>
             <a:r>
-              <a:rPr lang="en-US" altLang="zh-CN" dirty="0" smtClean="0"/>
-              <a:t>1</a:t>
-            </a:r>
-            <a:r>
-              <a:rPr lang="zh-CN" altLang="en-US" dirty="0" smtClean="0"/>
-              <a:t>、服务注册、发现、负载均衡和健康检查</a:t>
-            </a:r>
-            <a:endParaRPr lang="en-US" altLang="zh-CN" dirty="0" smtClean="0"/>
-          </a:p>
-          <a:p>
-            <a:endParaRPr lang="en-US" altLang="zh-CN" dirty="0"/>
-          </a:p>
-          <a:p>
-            <a:r>
-              <a:rPr lang="en-US" altLang="zh-CN" dirty="0" smtClean="0"/>
-              <a:t>2</a:t>
-            </a:r>
-            <a:r>
-              <a:rPr lang="zh-CN" altLang="en-US" dirty="0" smtClean="0"/>
-              <a:t>、监控日志</a:t>
-            </a:r>
-            <a:endParaRPr lang="en-US" altLang="zh-CN" dirty="0" smtClean="0"/>
-          </a:p>
-          <a:p>
-            <a:endParaRPr lang="en-US" altLang="zh-CN" dirty="0"/>
-          </a:p>
-          <a:p>
-            <a:r>
-              <a:rPr lang="en-US" altLang="zh-CN" dirty="0" smtClean="0"/>
-              <a:t>3</a:t>
-            </a:r>
-            <a:r>
-              <a:rPr lang="zh-CN" altLang="en-US" dirty="0" smtClean="0"/>
-              <a:t>、</a:t>
-            </a:r>
-            <a:r>
-              <a:rPr lang="en-US" altLang="zh-CN" dirty="0" smtClean="0"/>
-              <a:t>REST/RPC</a:t>
-            </a:r>
-            <a:r>
-              <a:rPr lang="zh-CN" altLang="en-US" dirty="0" smtClean="0"/>
-              <a:t>和序列化</a:t>
-            </a:r>
-            <a:endParaRPr lang="en-US" altLang="zh-CN" dirty="0" smtClean="0"/>
-          </a:p>
-          <a:p>
-            <a:endParaRPr lang="en-US" altLang="zh-CN" dirty="0"/>
-          </a:p>
-          <a:p>
-            <a:r>
-              <a:rPr lang="en-US" altLang="zh-CN" dirty="0" smtClean="0"/>
-              <a:t>4</a:t>
-            </a:r>
-            <a:r>
-              <a:rPr lang="zh-CN" altLang="en-US" dirty="0" smtClean="0"/>
-              <a:t>、配置中心</a:t>
-            </a:r>
-            <a:endParaRPr lang="en-US" altLang="zh-CN" dirty="0" smtClean="0"/>
-          </a:p>
-          <a:p>
-            <a:endParaRPr lang="en-US" altLang="zh-CN" dirty="0"/>
-          </a:p>
-          <a:p>
-            <a:r>
-              <a:rPr lang="en-US" altLang="zh-CN" dirty="0" smtClean="0"/>
-              <a:t>5</a:t>
-            </a:r>
-            <a:r>
-              <a:rPr lang="zh-CN" altLang="en-US" dirty="0" smtClean="0"/>
-              <a:t>、服务限流和容错</a:t>
-            </a:r>
-            <a:endParaRPr lang="en-US" altLang="zh-CN" dirty="0" smtClean="0"/>
-          </a:p>
-          <a:p>
-            <a:endParaRPr lang="en-US" altLang="zh-CN" dirty="0"/>
-          </a:p>
-          <a:p>
-            <a:r>
-              <a:rPr lang="en-US" altLang="zh-CN" dirty="0" smtClean="0"/>
-              <a:t>6</a:t>
-            </a:r>
-            <a:r>
-              <a:rPr lang="zh-CN" altLang="en-US" dirty="0" smtClean="0"/>
-              <a:t>、系统管理接口</a:t>
-            </a:r>
-            <a:endParaRPr lang="en-US" altLang="zh-CN" dirty="0" smtClean="0"/>
-          </a:p>
-          <a:p>
-            <a:endParaRPr lang="en-US" altLang="zh-CN" dirty="0"/>
-          </a:p>
-          <a:p>
-            <a:r>
-              <a:rPr lang="en-US" altLang="zh-CN" dirty="0" smtClean="0"/>
-              <a:t>7</a:t>
-            </a:r>
-            <a:r>
-              <a:rPr lang="zh-CN" altLang="en-US" dirty="0" smtClean="0"/>
-              <a:t>、安全</a:t>
-            </a:r>
-            <a:endParaRPr lang="zh-CN" altLang="en-US" dirty="0"/>
+              <a:rPr lang="zh-CN" altLang="en-US" sz="1600" b="1" dirty="0" smtClean="0"/>
+              <a:t>分布式</a:t>
+            </a:r>
+            <a:endParaRPr lang="zh-CN" altLang="en-US" sz="1600" b="1" dirty="0"/>
+          </a:p>
+        </p:txBody>
+      </p:sp>
+      <p:sp>
+        <p:nvSpPr>
+          <p:cNvPr id="5" name="TextBox 4"/>
+          <p:cNvSpPr txBox="1"/>
+          <p:nvPr/>
+        </p:nvSpPr>
+        <p:spPr>
+          <a:xfrm>
+            <a:off x="179512" y="404664"/>
+            <a:ext cx="5112568" cy="369332"/>
+          </a:xfrm>
+          <a:prstGeom prst="rect">
+            <a:avLst/>
+          </a:prstGeom>
+          <a:noFill/>
+        </p:spPr>
+        <p:txBody>
+          <a:bodyPr wrap="square" rtlCol="0">
+            <a:spAutoFit/>
+          </a:bodyPr>
+          <a:lstStyle/>
+          <a:p>
+            <a:r>
+              <a:rPr lang="zh-CN" altLang="en-US" b="1" dirty="0" smtClean="0"/>
+              <a:t>传统架构和微服务架构比较</a:t>
+            </a:r>
+            <a:endParaRPr lang="zh-CN" altLang="en-US" b="1" dirty="0"/>
           </a:p>
         </p:txBody>
       </p:sp>
     </p:spTree>
     <p:extLst>
       <p:ext uri="{BB962C8B-B14F-4D97-AF65-F5344CB8AC3E}">
-        <p14:creationId xmlns:p14="http://schemas.microsoft.com/office/powerpoint/2010/main" val="3023332843"/>
+        <p14:creationId xmlns:p14="http://schemas.microsoft.com/office/powerpoint/2010/main" val="2080434211"/>
+      </p:ext>
+    </p:extLst>
+  </p:cSld>
+  <p:clrMapOvr>
+    <a:masterClrMapping/>
+  </p:clrMapOvr>
+</p:sld>
+</file>
+
+<file path=ppt/slides/slide8.xml><?xml version="1.0" encoding="utf-8"?>
+<p:sld xmlns:a="http://schemas.openxmlformats.org/drawingml/2006/main" xmlns:r="http://schemas.openxmlformats.org/officeDocument/2006/relationships" xmlns:p="http://schemas.openxmlformats.org/presentationml/2006/main">
+  <p:cSld>
+    <p:spTree>
+      <p:nvGrpSpPr>
+        <p:cNvPr id="1" name=""/>
+        <p:cNvGrpSpPr/>
+        <p:nvPr/>
+      </p:nvGrpSpPr>
+      <p:grpSpPr>
+        <a:xfrm>
+          <a:off x="0" y="0"/>
+          <a:ext cx="0" cy="0"/>
+          <a:chOff x="0" y="0"/>
+          <a:chExt cx="0" cy="0"/>
+        </a:xfrm>
+      </p:grpSpPr>
+      <p:sp>
+        <p:nvSpPr>
+          <p:cNvPr id="4" name="TextBox 3"/>
+          <p:cNvSpPr txBox="1"/>
+          <p:nvPr/>
+        </p:nvSpPr>
+        <p:spPr>
+          <a:xfrm>
+            <a:off x="1475656" y="1412776"/>
+            <a:ext cx="4104456" cy="369332"/>
+          </a:xfrm>
+          <a:prstGeom prst="rect">
+            <a:avLst/>
+          </a:prstGeom>
+          <a:noFill/>
+        </p:spPr>
+        <p:txBody>
+          <a:bodyPr wrap="square" rtlCol="0">
+            <a:spAutoFit/>
+          </a:bodyPr>
+          <a:lstStyle>
+            <a:defPPr>
+              <a:defRPr lang="zh-CN"/>
+            </a:defPPr>
+            <a:lvl1pPr marL="285750" indent="-285750">
+              <a:buFont typeface="Wingdings" panose="05000000000000000000" pitchFamily="2" charset="2"/>
+              <a:buChar char="u"/>
+              <a:defRPr>
+                <a:solidFill>
+                  <a:schemeClr val="tx1"/>
+                </a:solidFill>
+              </a:defRPr>
+            </a:lvl1pPr>
+            <a:lvl2pPr>
+              <a:defRPr>
+                <a:solidFill>
+                  <a:schemeClr val="tx1"/>
+                </a:solidFill>
+              </a:defRPr>
+            </a:lvl2pPr>
+            <a:lvl3pPr>
+              <a:defRPr>
+                <a:solidFill>
+                  <a:schemeClr val="tx1"/>
+                </a:solidFill>
+              </a:defRPr>
+            </a:lvl3pPr>
+            <a:lvl4pPr>
+              <a:defRPr>
+                <a:solidFill>
+                  <a:schemeClr val="tx1"/>
+                </a:solidFill>
+              </a:defRPr>
+            </a:lvl4pPr>
+            <a:lvl5pPr>
+              <a:defRPr>
+                <a:solidFill>
+                  <a:schemeClr val="tx1"/>
+                </a:solidFill>
+              </a:defRPr>
+            </a:lvl5pPr>
+            <a:lvl6pPr>
+              <a:defRPr>
+                <a:solidFill>
+                  <a:schemeClr val="tx1"/>
+                </a:solidFill>
+              </a:defRPr>
+            </a:lvl6pPr>
+            <a:lvl7pPr>
+              <a:defRPr>
+                <a:solidFill>
+                  <a:schemeClr val="tx1"/>
+                </a:solidFill>
+              </a:defRPr>
+            </a:lvl7pPr>
+            <a:lvl8pPr>
+              <a:defRPr>
+                <a:solidFill>
+                  <a:schemeClr val="tx1"/>
+                </a:solidFill>
+              </a:defRPr>
+            </a:lvl8pPr>
+            <a:lvl9pPr>
+              <a:defRPr>
+                <a:solidFill>
+                  <a:schemeClr val="tx1"/>
+                </a:solidFill>
+              </a:defRPr>
+            </a:lvl9pPr>
+          </a:lstStyle>
+          <a:p>
+            <a:r>
+              <a:rPr lang="zh-CN" altLang="en-US" dirty="0"/>
+              <a:t>引言</a:t>
+            </a:r>
+          </a:p>
+        </p:txBody>
+      </p:sp>
+      <p:sp>
+        <p:nvSpPr>
+          <p:cNvPr id="5" name="TextBox 4"/>
+          <p:cNvSpPr txBox="1"/>
+          <p:nvPr/>
+        </p:nvSpPr>
+        <p:spPr>
+          <a:xfrm>
+            <a:off x="1494792" y="2060848"/>
+            <a:ext cx="4104456" cy="369332"/>
+          </a:xfrm>
+          <a:prstGeom prst="rect">
+            <a:avLst/>
+          </a:prstGeom>
+          <a:noFill/>
+        </p:spPr>
+        <p:txBody>
+          <a:bodyPr wrap="square" rtlCol="0">
+            <a:spAutoFit/>
+          </a:bodyPr>
+          <a:lstStyle/>
+          <a:p>
+            <a:pPr marL="285750" indent="-285750">
+              <a:buFont typeface="Wingdings" panose="05000000000000000000" pitchFamily="2" charset="2"/>
+              <a:buChar char="u"/>
+            </a:pPr>
+            <a:r>
+              <a:rPr lang="zh-CN" altLang="en-US" dirty="0" smtClean="0"/>
+              <a:t>什么是微服务架构</a:t>
+            </a:r>
+            <a:endParaRPr lang="zh-CN" altLang="en-US" dirty="0"/>
+          </a:p>
+        </p:txBody>
+      </p:sp>
+      <p:sp>
+        <p:nvSpPr>
+          <p:cNvPr id="6" name="TextBox 5"/>
+          <p:cNvSpPr txBox="1"/>
+          <p:nvPr/>
+        </p:nvSpPr>
+        <p:spPr>
+          <a:xfrm>
+            <a:off x="1494792" y="2783487"/>
+            <a:ext cx="4104456" cy="369332"/>
+          </a:xfrm>
+          <a:prstGeom prst="rect">
+            <a:avLst/>
+          </a:prstGeom>
+        </p:spPr>
+        <p:style>
+          <a:lnRef idx="0">
+            <a:schemeClr val="accent2"/>
+          </a:lnRef>
+          <a:fillRef idx="3">
+            <a:schemeClr val="accent2"/>
+          </a:fillRef>
+          <a:effectRef idx="3">
+            <a:schemeClr val="accent2"/>
+          </a:effectRef>
+          <a:fontRef idx="minor">
+            <a:schemeClr val="lt1"/>
+          </a:fontRef>
+        </p:style>
+        <p:txBody>
+          <a:bodyPr wrap="square" rtlCol="0">
+            <a:spAutoFit/>
+          </a:bodyPr>
+          <a:lstStyle/>
+          <a:p>
+            <a:pPr marL="285750" indent="-285750">
+              <a:buFont typeface="Wingdings" panose="05000000000000000000" pitchFamily="2" charset="2"/>
+              <a:buChar char="u"/>
+            </a:pPr>
+            <a:r>
+              <a:rPr lang="zh-CN" altLang="en-US" dirty="0" smtClean="0"/>
+              <a:t>为什么要用微服务架构</a:t>
+            </a:r>
+            <a:endParaRPr lang="zh-CN" altLang="en-US" dirty="0"/>
+          </a:p>
+        </p:txBody>
+      </p:sp>
+      <p:sp>
+        <p:nvSpPr>
+          <p:cNvPr id="7" name="TextBox 6"/>
+          <p:cNvSpPr txBox="1"/>
+          <p:nvPr/>
+        </p:nvSpPr>
+        <p:spPr>
+          <a:xfrm>
+            <a:off x="1511261" y="3573016"/>
+            <a:ext cx="4104456" cy="369332"/>
+          </a:xfrm>
+          <a:prstGeom prst="rect">
+            <a:avLst/>
+          </a:prstGeom>
+          <a:noFill/>
+        </p:spPr>
+        <p:txBody>
+          <a:bodyPr wrap="square" rtlCol="0">
+            <a:spAutoFit/>
+          </a:bodyPr>
+          <a:lstStyle/>
+          <a:p>
+            <a:pPr marL="285750" indent="-285750">
+              <a:buFont typeface="Wingdings" panose="05000000000000000000" pitchFamily="2" charset="2"/>
+              <a:buChar char="u"/>
+            </a:pPr>
+            <a:r>
+              <a:rPr lang="zh-CN" altLang="en-US" dirty="0"/>
+              <a:t>实施</a:t>
+            </a:r>
+            <a:r>
+              <a:rPr lang="zh-CN" altLang="en-US" dirty="0" smtClean="0"/>
+              <a:t>微服务架构有哪些挑战</a:t>
+            </a:r>
+            <a:endParaRPr lang="zh-CN" altLang="en-US" dirty="0"/>
+          </a:p>
+        </p:txBody>
+      </p:sp>
+    </p:spTree>
+    <p:extLst>
+      <p:ext uri="{BB962C8B-B14F-4D97-AF65-F5344CB8AC3E}">
+        <p14:creationId xmlns:p14="http://schemas.microsoft.com/office/powerpoint/2010/main" val="2908812638"/>
+      </p:ext>
+    </p:extLst>
+  </p:cSld>
+  <p:clrMapOvr>
+    <a:masterClrMapping/>
+  </p:clrMapOvr>
+</p:sld>
+</file>
+
+<file path=ppt/slides/slide9.xml><?xml version="1.0" encoding="utf-8"?>
+<p:sld xmlns:a="http://schemas.openxmlformats.org/drawingml/2006/main" xmlns:r="http://schemas.openxmlformats.org/officeDocument/2006/relationships" xmlns:p="http://schemas.openxmlformats.org/presentationml/2006/main">
+  <p:cSld>
+    <p:spTree>
+      <p:nvGrpSpPr>
+        <p:cNvPr id="1" name=""/>
+        <p:cNvGrpSpPr/>
+        <p:nvPr/>
+      </p:nvGrpSpPr>
+      <p:grpSpPr>
+        <a:xfrm>
+          <a:off x="0" y="0"/>
+          <a:ext cx="0" cy="0"/>
+          <a:chOff x="0" y="0"/>
+          <a:chExt cx="0" cy="0"/>
+        </a:xfrm>
+      </p:grpSpPr>
+      <p:sp>
+        <p:nvSpPr>
+          <p:cNvPr id="4" name="TextBox 3"/>
+          <p:cNvSpPr txBox="1"/>
+          <p:nvPr/>
+        </p:nvSpPr>
+        <p:spPr>
+          <a:xfrm>
+            <a:off x="827584" y="1916832"/>
+            <a:ext cx="7704856" cy="2831544"/>
+          </a:xfrm>
+          <a:prstGeom prst="rect">
+            <a:avLst/>
+          </a:prstGeom>
+          <a:noFill/>
+        </p:spPr>
+        <p:txBody>
+          <a:bodyPr wrap="square" rtlCol="0">
+            <a:spAutoFit/>
+          </a:bodyPr>
+          <a:lstStyle/>
+          <a:p>
+            <a:r>
+              <a:rPr lang="zh-CN" altLang="en-US" dirty="0" smtClean="0"/>
+              <a:t>         </a:t>
+            </a:r>
+            <a:r>
+              <a:rPr lang="zh-CN" altLang="en-US" sz="1600" dirty="0" smtClean="0"/>
+              <a:t>随着公司迈向数据服务提供商，应用云化是不可避免。如果应用推向消费者市场，用户规划会持续增长，如何充分利用现有资源做弹性伸缩，降低资源闲置率，也是现有架构的难点。</a:t>
+            </a:r>
+            <a:endParaRPr lang="en-US" altLang="zh-CN" sz="1600" dirty="0" smtClean="0"/>
+          </a:p>
+          <a:p>
+            <a:r>
+              <a:rPr lang="en-US" altLang="zh-CN" sz="1600" dirty="0"/>
+              <a:t> </a:t>
+            </a:r>
+            <a:r>
+              <a:rPr lang="en-US" altLang="zh-CN" sz="1600" dirty="0" smtClean="0"/>
+              <a:t>         </a:t>
+            </a:r>
+            <a:r>
+              <a:rPr lang="zh-CN" altLang="en-US" sz="1600" dirty="0" smtClean="0"/>
+              <a:t>相比较之前的</a:t>
+            </a:r>
+            <a:r>
+              <a:rPr lang="en-US" altLang="zh-CN" sz="1600" dirty="0" smtClean="0"/>
+              <a:t>SOA</a:t>
+            </a:r>
+            <a:r>
+              <a:rPr lang="zh-CN" altLang="en-US" sz="1600" dirty="0" smtClean="0"/>
+              <a:t>，微服务架构技术差别不大，但是</a:t>
+            </a:r>
+            <a:r>
+              <a:rPr lang="en-US" altLang="zh-CN" sz="1600" dirty="0" smtClean="0"/>
+              <a:t>SOA</a:t>
+            </a:r>
+            <a:r>
+              <a:rPr lang="zh-CN" altLang="en-US" sz="1600" dirty="0" smtClean="0"/>
+              <a:t>缺少大型项目的实践案例支撑，但是其理论进一步发展演进成了微服务。在互联网以及云计算技术的发展下，微服务天然的支持他们的要求。分布式、集群、弹性、按需、快速交付、持续部署、快速试错等特性，传统的集中式架构难以支撑。</a:t>
+            </a:r>
+            <a:endParaRPr lang="en-US" altLang="zh-CN" sz="1600" dirty="0" smtClean="0"/>
+          </a:p>
+          <a:p>
+            <a:r>
+              <a:rPr lang="en-US" altLang="zh-CN" sz="1600" dirty="0"/>
+              <a:t> </a:t>
+            </a:r>
+            <a:r>
+              <a:rPr lang="en-US" altLang="zh-CN" sz="1600" dirty="0" smtClean="0"/>
+              <a:t>         </a:t>
+            </a:r>
+            <a:r>
+              <a:rPr lang="zh-CN" altLang="en-US" sz="1600" dirty="0" smtClean="0"/>
+              <a:t>目前有大量的互联网公司进行了微服务架构的尝试，包括：</a:t>
+            </a:r>
+            <a:r>
+              <a:rPr lang="en-US" altLang="zh-CN" sz="1600" dirty="0" smtClean="0"/>
+              <a:t>AWS</a:t>
+            </a:r>
+            <a:r>
+              <a:rPr lang="zh-CN" altLang="en-US" sz="1600" dirty="0" smtClean="0"/>
+              <a:t>、</a:t>
+            </a:r>
+            <a:r>
+              <a:rPr lang="en-US" altLang="zh-CN" sz="1600" dirty="0" smtClean="0"/>
+              <a:t>Google</a:t>
+            </a:r>
+            <a:r>
+              <a:rPr lang="zh-CN" altLang="en-US" sz="1600" dirty="0" smtClean="0"/>
+              <a:t>、</a:t>
+            </a:r>
+            <a:r>
+              <a:rPr lang="en-US" altLang="zh-CN" sz="1600" dirty="0" smtClean="0"/>
+              <a:t>Netflix</a:t>
+            </a:r>
+            <a:r>
+              <a:rPr lang="zh-CN" altLang="en-US" sz="1600" dirty="0" smtClean="0"/>
+              <a:t>、</a:t>
+            </a:r>
+            <a:r>
+              <a:rPr lang="en-US" altLang="zh-CN" sz="1600" dirty="0" smtClean="0"/>
+              <a:t>Alibaba</a:t>
+            </a:r>
+            <a:r>
+              <a:rPr lang="zh-CN" altLang="en-US" sz="1600" dirty="0" smtClean="0"/>
+              <a:t>等，参考他们的实施经验，有一个共同的特点就是：他们都是服务提供商，都是应用发展到一定规模后，现有的架构已经无法满足日益庞大的应用，通过分拆后，功能分离，服务分离，虽然增加了部署难度，但是更加适用于云端部署了。</a:t>
+            </a:r>
+            <a:endParaRPr lang="zh-CN" altLang="en-US" sz="1600" dirty="0"/>
+          </a:p>
+        </p:txBody>
+      </p:sp>
+      <p:sp>
+        <p:nvSpPr>
+          <p:cNvPr id="5" name="TextBox 4"/>
+          <p:cNvSpPr txBox="1"/>
+          <p:nvPr/>
+        </p:nvSpPr>
+        <p:spPr>
+          <a:xfrm>
+            <a:off x="1115616" y="1052736"/>
+            <a:ext cx="3312368" cy="369332"/>
+          </a:xfrm>
+          <a:prstGeom prst="rect">
+            <a:avLst/>
+          </a:prstGeom>
+          <a:noFill/>
+        </p:spPr>
+        <p:txBody>
+          <a:bodyPr wrap="square" rtlCol="0">
+            <a:spAutoFit/>
+          </a:bodyPr>
+          <a:lstStyle/>
+          <a:p>
+            <a:r>
+              <a:rPr lang="zh-CN" altLang="en-US" b="1" dirty="0" smtClean="0"/>
+              <a:t>楔子</a:t>
+            </a:r>
+            <a:endParaRPr lang="zh-CN" altLang="en-US" b="1" dirty="0"/>
+          </a:p>
+        </p:txBody>
+      </p:sp>
+    </p:spTree>
+    <p:extLst>
+      <p:ext uri="{BB962C8B-B14F-4D97-AF65-F5344CB8AC3E}">
+        <p14:creationId xmlns:p14="http://schemas.microsoft.com/office/powerpoint/2010/main" val="17673593"/>
       </p:ext>
     </p:extLst>
   </p:cSld>

--- a/docs/微服务架构.pptx
+++ b/docs/微服务架构.pptx
@@ -301,7 +301,7 @@
           <a:p>
             <a:fld id="{530820CF-B880-4189-942D-D702A7CBA730}" type="datetimeFigureOut">
               <a:rPr lang="zh-CN" altLang="en-US" smtClean="0"/>
-              <a:t>2015/12/7</a:t>
+              <a:t>2016/3/15</a:t>
             </a:fld>
             <a:endParaRPr lang="zh-CN" altLang="en-US"/>
           </a:p>
@@ -466,7 +466,7 @@
           <a:p>
             <a:fld id="{530820CF-B880-4189-942D-D702A7CBA730}" type="datetimeFigureOut">
               <a:rPr lang="zh-CN" altLang="en-US" smtClean="0"/>
-              <a:t>2015/12/7</a:t>
+              <a:t>2016/3/15</a:t>
             </a:fld>
             <a:endParaRPr lang="zh-CN" altLang="en-US"/>
           </a:p>
@@ -641,7 +641,7 @@
           <a:p>
             <a:fld id="{530820CF-B880-4189-942D-D702A7CBA730}" type="datetimeFigureOut">
               <a:rPr lang="zh-CN" altLang="en-US" smtClean="0"/>
-              <a:t>2015/12/7</a:t>
+              <a:t>2016/3/15</a:t>
             </a:fld>
             <a:endParaRPr lang="zh-CN" altLang="en-US"/>
           </a:p>
@@ -806,7 +806,7 @@
           <a:p>
             <a:fld id="{530820CF-B880-4189-942D-D702A7CBA730}" type="datetimeFigureOut">
               <a:rPr lang="zh-CN" altLang="en-US" smtClean="0"/>
-              <a:t>2015/12/7</a:t>
+              <a:t>2016/3/15</a:t>
             </a:fld>
             <a:endParaRPr lang="zh-CN" altLang="en-US"/>
           </a:p>
@@ -1047,7 +1047,7 @@
           <a:p>
             <a:fld id="{530820CF-B880-4189-942D-D702A7CBA730}" type="datetimeFigureOut">
               <a:rPr lang="zh-CN" altLang="en-US" smtClean="0"/>
-              <a:t>2015/12/7</a:t>
+              <a:t>2016/3/15</a:t>
             </a:fld>
             <a:endParaRPr lang="zh-CN" altLang="en-US"/>
           </a:p>
@@ -1330,7 +1330,7 @@
           <a:p>
             <a:fld id="{530820CF-B880-4189-942D-D702A7CBA730}" type="datetimeFigureOut">
               <a:rPr lang="zh-CN" altLang="en-US" smtClean="0"/>
-              <a:t>2015/12/7</a:t>
+              <a:t>2016/3/15</a:t>
             </a:fld>
             <a:endParaRPr lang="zh-CN" altLang="en-US"/>
           </a:p>
@@ -1747,7 +1747,7 @@
           <a:p>
             <a:fld id="{530820CF-B880-4189-942D-D702A7CBA730}" type="datetimeFigureOut">
               <a:rPr lang="zh-CN" altLang="en-US" smtClean="0"/>
-              <a:t>2015/12/7</a:t>
+              <a:t>2016/3/15</a:t>
             </a:fld>
             <a:endParaRPr lang="zh-CN" altLang="en-US"/>
           </a:p>
@@ -1860,7 +1860,7 @@
           <a:p>
             <a:fld id="{530820CF-B880-4189-942D-D702A7CBA730}" type="datetimeFigureOut">
               <a:rPr lang="zh-CN" altLang="en-US" smtClean="0"/>
-              <a:t>2015/12/7</a:t>
+              <a:t>2016/3/15</a:t>
             </a:fld>
             <a:endParaRPr lang="zh-CN" altLang="en-US"/>
           </a:p>
@@ -1950,7 +1950,7 @@
           <a:p>
             <a:fld id="{530820CF-B880-4189-942D-D702A7CBA730}" type="datetimeFigureOut">
               <a:rPr lang="zh-CN" altLang="en-US" smtClean="0"/>
-              <a:t>2015/12/7</a:t>
+              <a:t>2016/3/15</a:t>
             </a:fld>
             <a:endParaRPr lang="zh-CN" altLang="en-US"/>
           </a:p>
@@ -2222,7 +2222,7 @@
           <a:p>
             <a:fld id="{530820CF-B880-4189-942D-D702A7CBA730}" type="datetimeFigureOut">
               <a:rPr lang="zh-CN" altLang="en-US" smtClean="0"/>
-              <a:t>2015/12/7</a:t>
+              <a:t>2016/3/15</a:t>
             </a:fld>
             <a:endParaRPr lang="zh-CN" altLang="en-US"/>
           </a:p>
@@ -2470,7 +2470,7 @@
           <a:p>
             <a:fld id="{530820CF-B880-4189-942D-D702A7CBA730}" type="datetimeFigureOut">
               <a:rPr lang="zh-CN" altLang="en-US" smtClean="0"/>
-              <a:t>2015/12/7</a:t>
+              <a:t>2016/3/15</a:t>
             </a:fld>
             <a:endParaRPr lang="zh-CN" altLang="en-US"/>
           </a:p>
@@ -2683,7 +2683,7 @@
           <a:p>
             <a:fld id="{530820CF-B880-4189-942D-D702A7CBA730}" type="datetimeFigureOut">
               <a:rPr lang="zh-CN" altLang="en-US" smtClean="0"/>
-              <a:t>2015/12/7</a:t>
+              <a:t>2016/3/15</a:t>
             </a:fld>
             <a:endParaRPr lang="zh-CN" altLang="en-US"/>
           </a:p>
@@ -4513,11 +4513,7 @@
             </a:pPr>
             <a:r>
               <a:rPr lang="zh-CN" altLang="en-US" sz="1600" dirty="0" smtClean="0"/>
-              <a:t>事务一致性：每一个操作可能涉及到多</a:t>
-            </a:r>
-            <a:r>
-              <a:rPr lang="zh-CN" altLang="en-US" sz="1600" dirty="0" smtClean="0"/>
-              <a:t>个</a:t>
+              <a:t>事务一致性：每一个操作可能涉及到多个</a:t>
             </a:r>
             <a:r>
               <a:rPr lang="en-US" altLang="zh-CN" sz="1600" dirty="0" err="1" smtClean="0"/>
